--- a/doc/Présentation-projet-ultimatelifkas.pptx
+++ b/doc/Présentation-projet-ultimatelifkas.pptx
@@ -108,6 +108,11 @@
       </a:defRPr>
     </a:lvl9pPr>
   </p:defaultTextStyle>
+  <p:extLst>
+    <p:ext uri="{EFAFB233-063F-42B5-8137-9DF3F51BA10A}">
+      <p15:sldGuideLst xmlns:p15="http://schemas.microsoft.com/office/powerpoint/2012/main"/>
+    </p:ext>
+  </p:extLst>
 </p:presentation>
 </file>
 
@@ -3343,16 +3348,18 @@
         </p:nvSpPr>
         <p:spPr>
           <a:xfrm>
-            <a:off x="1524000" y="1093797"/>
-            <a:ext cx="9289002" cy="934607"/>
-          </a:xfrm>
-        </p:spPr>
-        <p:txBody>
-          <a:bodyPr/>
-          <a:lstStyle/>
-          <a:p>
-            <a:r>
-              <a:rPr lang="fr-FR" dirty="0"/>
+            <a:off x="2810151" y="839487"/>
+            <a:ext cx="6571696" cy="655155"/>
+          </a:xfrm>
+        </p:spPr>
+        <p:txBody>
+          <a:bodyPr>
+            <a:noAutofit/>
+          </a:bodyPr>
+          <a:lstStyle/>
+          <a:p>
+            <a:r>
+              <a:rPr lang="fr-FR" sz="3600" dirty="0"/>
               <a:t>Présentation projet</a:t>
             </a:r>
           </a:p>
@@ -3376,7 +3383,7 @@
         </p:nvSpPr>
         <p:spPr>
           <a:xfrm>
-            <a:off x="1451499" y="1924794"/>
+            <a:off x="1451498" y="1473214"/>
             <a:ext cx="9289001" cy="369332"/>
           </a:xfrm>
         </p:spPr>
@@ -3557,6 +3564,205 @@
           </a:prstGeom>
         </p:spPr>
       </p:pic>
+      <p:sp>
+        <p:nvSpPr>
+          <p:cNvPr id="9" name="Sous-titre 2">
+            <a:extLst>
+              <a:ext uri="{FF2B5EF4-FFF2-40B4-BE49-F238E27FC236}">
+                <a16:creationId xmlns:a16="http://schemas.microsoft.com/office/drawing/2014/main" id="{89F6780C-4662-41DB-B753-F6E4FEDEA4CC}"/>
+              </a:ext>
+            </a:extLst>
+          </p:cNvPr>
+          <p:cNvSpPr txBox="1">
+            <a:spLocks/>
+          </p:cNvSpPr>
+          <p:nvPr/>
+        </p:nvSpPr>
+        <p:spPr>
+          <a:xfrm>
+            <a:off x="1524000" y="1842546"/>
+            <a:ext cx="9289001" cy="369332"/>
+          </a:xfrm>
+          <a:prstGeom prst="rect">
+            <a:avLst/>
+          </a:prstGeom>
+        </p:spPr>
+        <p:txBody>
+          <a:bodyPr vert="horz" lIns="91440" tIns="45720" rIns="91440" bIns="45720" rtlCol="0">
+            <a:normAutofit fontScale="92500" lnSpcReduction="10000"/>
+          </a:bodyPr>
+          <a:lstStyle>
+            <a:lvl1pPr marL="0" indent="0" algn="ctr" defTabSz="914400" rtl="0" eaLnBrk="1" latinLnBrk="0" hangingPunct="1">
+              <a:lnSpc>
+                <a:spcPct val="90000"/>
+              </a:lnSpc>
+              <a:spcBef>
+                <a:spcPts val="1000"/>
+              </a:spcBef>
+              <a:buFont typeface="Arial" panose="020B0604020202020204" pitchFamily="34" charset="0"/>
+              <a:buNone/>
+              <a:defRPr sz="2400" kern="1200">
+                <a:solidFill>
+                  <a:schemeClr val="tx1"/>
+                </a:solidFill>
+                <a:latin typeface="+mn-lt"/>
+                <a:ea typeface="+mn-ea"/>
+                <a:cs typeface="+mn-cs"/>
+              </a:defRPr>
+            </a:lvl1pPr>
+            <a:lvl2pPr marL="457200" indent="0" algn="ctr" defTabSz="914400" rtl="0" eaLnBrk="1" latinLnBrk="0" hangingPunct="1">
+              <a:lnSpc>
+                <a:spcPct val="90000"/>
+              </a:lnSpc>
+              <a:spcBef>
+                <a:spcPts val="500"/>
+              </a:spcBef>
+              <a:buFont typeface="Arial" panose="020B0604020202020204" pitchFamily="34" charset="0"/>
+              <a:buNone/>
+              <a:defRPr sz="2000" kern="1200">
+                <a:solidFill>
+                  <a:schemeClr val="tx1"/>
+                </a:solidFill>
+                <a:latin typeface="+mn-lt"/>
+                <a:ea typeface="+mn-ea"/>
+                <a:cs typeface="+mn-cs"/>
+              </a:defRPr>
+            </a:lvl2pPr>
+            <a:lvl3pPr marL="914400" indent="0" algn="ctr" defTabSz="914400" rtl="0" eaLnBrk="1" latinLnBrk="0" hangingPunct="1">
+              <a:lnSpc>
+                <a:spcPct val="90000"/>
+              </a:lnSpc>
+              <a:spcBef>
+                <a:spcPts val="500"/>
+              </a:spcBef>
+              <a:buFont typeface="Arial" panose="020B0604020202020204" pitchFamily="34" charset="0"/>
+              <a:buNone/>
+              <a:defRPr sz="1800" kern="1200">
+                <a:solidFill>
+                  <a:schemeClr val="tx1"/>
+                </a:solidFill>
+                <a:latin typeface="+mn-lt"/>
+                <a:ea typeface="+mn-ea"/>
+                <a:cs typeface="+mn-cs"/>
+              </a:defRPr>
+            </a:lvl3pPr>
+            <a:lvl4pPr marL="1371600" indent="0" algn="ctr" defTabSz="914400" rtl="0" eaLnBrk="1" latinLnBrk="0" hangingPunct="1">
+              <a:lnSpc>
+                <a:spcPct val="90000"/>
+              </a:lnSpc>
+              <a:spcBef>
+                <a:spcPts val="500"/>
+              </a:spcBef>
+              <a:buFont typeface="Arial" panose="020B0604020202020204" pitchFamily="34" charset="0"/>
+              <a:buNone/>
+              <a:defRPr sz="1600" kern="1200">
+                <a:solidFill>
+                  <a:schemeClr val="tx1"/>
+                </a:solidFill>
+                <a:latin typeface="+mn-lt"/>
+                <a:ea typeface="+mn-ea"/>
+                <a:cs typeface="+mn-cs"/>
+              </a:defRPr>
+            </a:lvl4pPr>
+            <a:lvl5pPr marL="1828800" indent="0" algn="ctr" defTabSz="914400" rtl="0" eaLnBrk="1" latinLnBrk="0" hangingPunct="1">
+              <a:lnSpc>
+                <a:spcPct val="90000"/>
+              </a:lnSpc>
+              <a:spcBef>
+                <a:spcPts val="500"/>
+              </a:spcBef>
+              <a:buFont typeface="Arial" panose="020B0604020202020204" pitchFamily="34" charset="0"/>
+              <a:buNone/>
+              <a:defRPr sz="1600" kern="1200">
+                <a:solidFill>
+                  <a:schemeClr val="tx1"/>
+                </a:solidFill>
+                <a:latin typeface="+mn-lt"/>
+                <a:ea typeface="+mn-ea"/>
+                <a:cs typeface="+mn-cs"/>
+              </a:defRPr>
+            </a:lvl5pPr>
+            <a:lvl6pPr marL="2286000" indent="0" algn="ctr" defTabSz="914400" rtl="0" eaLnBrk="1" latinLnBrk="0" hangingPunct="1">
+              <a:lnSpc>
+                <a:spcPct val="90000"/>
+              </a:lnSpc>
+              <a:spcBef>
+                <a:spcPts val="500"/>
+              </a:spcBef>
+              <a:buFont typeface="Arial" panose="020B0604020202020204" pitchFamily="34" charset="0"/>
+              <a:buNone/>
+              <a:defRPr sz="1600" kern="1200">
+                <a:solidFill>
+                  <a:schemeClr val="tx1"/>
+                </a:solidFill>
+                <a:latin typeface="+mn-lt"/>
+                <a:ea typeface="+mn-ea"/>
+                <a:cs typeface="+mn-cs"/>
+              </a:defRPr>
+            </a:lvl6pPr>
+            <a:lvl7pPr marL="2743200" indent="0" algn="ctr" defTabSz="914400" rtl="0" eaLnBrk="1" latinLnBrk="0" hangingPunct="1">
+              <a:lnSpc>
+                <a:spcPct val="90000"/>
+              </a:lnSpc>
+              <a:spcBef>
+                <a:spcPts val="500"/>
+              </a:spcBef>
+              <a:buFont typeface="Arial" panose="020B0604020202020204" pitchFamily="34" charset="0"/>
+              <a:buNone/>
+              <a:defRPr sz="1600" kern="1200">
+                <a:solidFill>
+                  <a:schemeClr val="tx1"/>
+                </a:solidFill>
+                <a:latin typeface="+mn-lt"/>
+                <a:ea typeface="+mn-ea"/>
+                <a:cs typeface="+mn-cs"/>
+              </a:defRPr>
+            </a:lvl7pPr>
+            <a:lvl8pPr marL="3200400" indent="0" algn="ctr" defTabSz="914400" rtl="0" eaLnBrk="1" latinLnBrk="0" hangingPunct="1">
+              <a:lnSpc>
+                <a:spcPct val="90000"/>
+              </a:lnSpc>
+              <a:spcBef>
+                <a:spcPts val="500"/>
+              </a:spcBef>
+              <a:buFont typeface="Arial" panose="020B0604020202020204" pitchFamily="34" charset="0"/>
+              <a:buNone/>
+              <a:defRPr sz="1600" kern="1200">
+                <a:solidFill>
+                  <a:schemeClr val="tx1"/>
+                </a:solidFill>
+                <a:latin typeface="+mn-lt"/>
+                <a:ea typeface="+mn-ea"/>
+                <a:cs typeface="+mn-cs"/>
+              </a:defRPr>
+            </a:lvl8pPr>
+            <a:lvl9pPr marL="3657600" indent="0" algn="ctr" defTabSz="914400" rtl="0" eaLnBrk="1" latinLnBrk="0" hangingPunct="1">
+              <a:lnSpc>
+                <a:spcPct val="90000"/>
+              </a:lnSpc>
+              <a:spcBef>
+                <a:spcPts val="500"/>
+              </a:spcBef>
+              <a:buFont typeface="Arial" panose="020B0604020202020204" pitchFamily="34" charset="0"/>
+              <a:buNone/>
+              <a:defRPr sz="1600" kern="1200">
+                <a:solidFill>
+                  <a:schemeClr val="tx1"/>
+                </a:solidFill>
+                <a:latin typeface="+mn-lt"/>
+                <a:ea typeface="+mn-ea"/>
+                <a:cs typeface="+mn-cs"/>
+              </a:defRPr>
+            </a:lvl9pPr>
+          </a:lstStyle>
+          <a:p>
+            <a:r>
+              <a:rPr lang="fr-FR" dirty="0"/>
+              <a:t>Jeu de plateforme 2D C/C++  SDL2</a:t>
+            </a:r>
+          </a:p>
+        </p:txBody>
+      </p:sp>
     </p:spTree>
     <p:extLst>
       <p:ext uri="{BB962C8B-B14F-4D97-AF65-F5344CB8AC3E}">
@@ -3800,12 +4006,97 @@
           </a:p>
         </p:txBody>
       </p:sp>
+      <p:sp>
+        <p:nvSpPr>
+          <p:cNvPr id="2" name="ZoneTexte 1">
+            <a:extLst>
+              <a:ext uri="{FF2B5EF4-FFF2-40B4-BE49-F238E27FC236}">
+                <a16:creationId xmlns:a16="http://schemas.microsoft.com/office/drawing/2014/main" id="{764B5710-7DB5-4973-9316-A2BFBA0C9581}"/>
+              </a:ext>
+            </a:extLst>
+          </p:cNvPr>
+          <p:cNvSpPr txBox="1"/>
+          <p:nvPr/>
+        </p:nvSpPr>
+        <p:spPr>
+          <a:xfrm>
+            <a:off x="2014537" y="204186"/>
+            <a:ext cx="8162925" cy="830997"/>
+          </a:xfrm>
+          <a:prstGeom prst="rect">
+            <a:avLst/>
+          </a:prstGeom>
+          <a:noFill/>
+        </p:spPr>
+        <p:txBody>
+          <a:bodyPr wrap="square" rtlCol="0">
+            <a:spAutoFit/>
+          </a:bodyPr>
+          <a:lstStyle/>
+          <a:p>
+            <a:r>
+              <a:rPr lang="fr-FR" sz="2400" dirty="0"/>
+              <a:t>Présentation en détails des classes Jeu , Personnage et </a:t>
+            </a:r>
+            <a:r>
+              <a:rPr lang="fr-FR" sz="2400" dirty="0" err="1"/>
+              <a:t>SdlJeu</a:t>
+            </a:r>
+            <a:endParaRPr lang="fr-FR" sz="2400" dirty="0"/>
+          </a:p>
+          <a:p>
+            <a:r>
+              <a:rPr lang="fr-FR" sz="2400" dirty="0"/>
+              <a:t>			</a:t>
+            </a:r>
+            <a:r>
+              <a:rPr lang="fr-FR" sz="2400" u="sng" dirty="0"/>
+              <a:t>Classe jeu</a:t>
+            </a:r>
+          </a:p>
+        </p:txBody>
+      </p:sp>
+      <p:sp>
+        <p:nvSpPr>
+          <p:cNvPr id="3" name="ZoneTexte 2">
+            <a:extLst>
+              <a:ext uri="{FF2B5EF4-FFF2-40B4-BE49-F238E27FC236}">
+                <a16:creationId xmlns:a16="http://schemas.microsoft.com/office/drawing/2014/main" id="{DEF1BAAC-E47C-42A9-A5B3-020A0904209A}"/>
+              </a:ext>
+            </a:extLst>
+          </p:cNvPr>
+          <p:cNvSpPr txBox="1"/>
+          <p:nvPr/>
+        </p:nvSpPr>
+        <p:spPr>
+          <a:xfrm>
+            <a:off x="177553" y="1083076"/>
+            <a:ext cx="11836894" cy="646331"/>
+          </a:xfrm>
+          <a:prstGeom prst="rect">
+            <a:avLst/>
+          </a:prstGeom>
+          <a:noFill/>
+        </p:spPr>
+        <p:txBody>
+          <a:bodyPr wrap="square" rtlCol="0">
+            <a:spAutoFit/>
+          </a:bodyPr>
+          <a:lstStyle/>
+          <a:p>
+            <a:r>
+              <a:rPr lang="fr-FR" dirty="0"/>
+              <a:t>La classe Jeu est la classe principale qui gère les interactions entre les différents éléments du jeu , c’est-à-dire collisions , initialisation du personnage , des monstres , les dégâts , la gravité , le ramassage d’items … </a:t>
+            </a:r>
+          </a:p>
+        </p:txBody>
+      </p:sp>
       <p:pic>
         <p:nvPicPr>
-          <p:cNvPr id="7" name="Image 6">
-            <a:extLst>
-              <a:ext uri="{FF2B5EF4-FFF2-40B4-BE49-F238E27FC236}">
-                <a16:creationId xmlns:a16="http://schemas.microsoft.com/office/drawing/2014/main" id="{A9FE46FB-174F-48ED-8042-FA4BEFE725F4}"/>
+          <p:cNvPr id="6" name="Image 5">
+            <a:extLst>
+              <a:ext uri="{FF2B5EF4-FFF2-40B4-BE49-F238E27FC236}">
+                <a16:creationId xmlns:a16="http://schemas.microsoft.com/office/drawing/2014/main" id="{2BA3210A-4A0C-44C0-A070-B02CCA33315D}"/>
               </a:ext>
             </a:extLst>
           </p:cNvPr>
@@ -3815,21 +4106,15 @@
           <p:nvPr/>
         </p:nvPicPr>
         <p:blipFill>
-          <a:blip r:embed="rId2">
-            <a:extLst>
-              <a:ext uri="{28A0092B-C50C-407E-A947-70E740481C1C}">
-                <a14:useLocalDpi xmlns:a14="http://schemas.microsoft.com/office/drawing/2010/main" val="0"/>
-              </a:ext>
-            </a:extLst>
-          </a:blip>
+          <a:blip r:embed="rId2"/>
           <a:stretch>
             <a:fillRect/>
           </a:stretch>
         </p:blipFill>
         <p:spPr>
           <a:xfrm>
-            <a:off x="9081856" y="6030962"/>
-            <a:ext cx="2932591" cy="622852"/>
+            <a:off x="172512" y="3509684"/>
+            <a:ext cx="2419350" cy="828675"/>
           </a:xfrm>
           <a:prstGeom prst="rect">
             <a:avLst/>
@@ -3838,10 +4123,10 @@
       </p:pic>
       <p:sp>
         <p:nvSpPr>
-          <p:cNvPr id="2" name="ZoneTexte 1">
-            <a:extLst>
-              <a:ext uri="{FF2B5EF4-FFF2-40B4-BE49-F238E27FC236}">
-                <a16:creationId xmlns:a16="http://schemas.microsoft.com/office/drawing/2014/main" id="{764B5710-7DB5-4973-9316-A2BFBA0C9581}"/>
+          <p:cNvPr id="8" name="ZoneTexte 7">
+            <a:extLst>
+              <a:ext uri="{FF2B5EF4-FFF2-40B4-BE49-F238E27FC236}">
+                <a16:creationId xmlns:a16="http://schemas.microsoft.com/office/drawing/2014/main" id="{740FDF09-D073-4D57-9AA8-8F149F61839B}"/>
               </a:ext>
             </a:extLst>
           </p:cNvPr>
@@ -3850,8 +4135,8 @@
         </p:nvSpPr>
         <p:spPr>
           <a:xfrm>
-            <a:off x="2014537" y="204186"/>
-            <a:ext cx="8162925" cy="461665"/>
+            <a:off x="177553" y="1828584"/>
+            <a:ext cx="2855003" cy="369332"/>
           </a:xfrm>
           <a:prstGeom prst="rect">
             <a:avLst/>
@@ -3865,14 +4150,225 @@
           <a:lstStyle/>
           <a:p>
             <a:r>
-              <a:rPr lang="fr-FR" sz="2400" dirty="0"/>
-              <a:t>Présentation en détails des classes Jeu , Personnage et </a:t>
-            </a:r>
-            <a:r>
-              <a:rPr lang="fr-FR" sz="2400" dirty="0" err="1"/>
-              <a:t>SdlJeu</a:t>
-            </a:r>
-            <a:endParaRPr lang="fr-FR" sz="2400" dirty="0"/>
+              <a:rPr lang="fr-FR" dirty="0"/>
+              <a:t>0. type de donnée membres</a:t>
+            </a:r>
+          </a:p>
+        </p:txBody>
+      </p:sp>
+      <p:pic>
+        <p:nvPicPr>
+          <p:cNvPr id="10" name="Image 9">
+            <a:extLst>
+              <a:ext uri="{FF2B5EF4-FFF2-40B4-BE49-F238E27FC236}">
+                <a16:creationId xmlns:a16="http://schemas.microsoft.com/office/drawing/2014/main" id="{CA50E22F-6A6A-4AA7-B0A4-737B02BFE194}"/>
+              </a:ext>
+            </a:extLst>
+          </p:cNvPr>
+          <p:cNvPicPr>
+            <a:picLocks noChangeAspect="1"/>
+          </p:cNvPicPr>
+          <p:nvPr/>
+        </p:nvPicPr>
+        <p:blipFill>
+          <a:blip r:embed="rId3"/>
+          <a:stretch>
+            <a:fillRect/>
+          </a:stretch>
+        </p:blipFill>
+        <p:spPr>
+          <a:xfrm>
+            <a:off x="3027515" y="2586060"/>
+            <a:ext cx="3781425" cy="3486150"/>
+          </a:xfrm>
+          <a:prstGeom prst="rect">
+            <a:avLst/>
+          </a:prstGeom>
+        </p:spPr>
+      </p:pic>
+      <p:sp>
+        <p:nvSpPr>
+          <p:cNvPr id="11" name="ZoneTexte 10">
+            <a:extLst>
+              <a:ext uri="{FF2B5EF4-FFF2-40B4-BE49-F238E27FC236}">
+                <a16:creationId xmlns:a16="http://schemas.microsoft.com/office/drawing/2014/main" id="{69AB9EE7-7214-47CC-BFF6-4353BD6EAE97}"/>
+              </a:ext>
+            </a:extLst>
+          </p:cNvPr>
+          <p:cNvSpPr txBox="1"/>
+          <p:nvPr/>
+        </p:nvSpPr>
+        <p:spPr>
+          <a:xfrm>
+            <a:off x="3027515" y="1825276"/>
+            <a:ext cx="4269929" cy="646331"/>
+          </a:xfrm>
+          <a:prstGeom prst="rect">
+            <a:avLst/>
+          </a:prstGeom>
+          <a:noFill/>
+        </p:spPr>
+        <p:txBody>
+          <a:bodyPr wrap="square" rtlCol="0">
+            <a:spAutoFit/>
+          </a:bodyPr>
+          <a:lstStyle/>
+          <a:p>
+            <a:r>
+              <a:rPr lang="fr-FR" dirty="0"/>
+              <a:t>2. Initialisation des monstres selon la version de jeu : 1=SDL , 0=TXT</a:t>
+            </a:r>
+          </a:p>
+        </p:txBody>
+      </p:sp>
+      <p:pic>
+        <p:nvPicPr>
+          <p:cNvPr id="13" name="Image 12">
+            <a:extLst>
+              <a:ext uri="{FF2B5EF4-FFF2-40B4-BE49-F238E27FC236}">
+                <a16:creationId xmlns:a16="http://schemas.microsoft.com/office/drawing/2014/main" id="{71794C6E-649F-4848-921A-BE3E04C87560}"/>
+              </a:ext>
+            </a:extLst>
+          </p:cNvPr>
+          <p:cNvPicPr>
+            <a:picLocks noChangeAspect="1"/>
+          </p:cNvPicPr>
+          <p:nvPr/>
+        </p:nvPicPr>
+        <p:blipFill>
+          <a:blip r:embed="rId4"/>
+          <a:stretch>
+            <a:fillRect/>
+          </a:stretch>
+        </p:blipFill>
+        <p:spPr>
+          <a:xfrm>
+            <a:off x="7830104" y="3038994"/>
+            <a:ext cx="2897989" cy="3343306"/>
+          </a:xfrm>
+          <a:prstGeom prst="rect">
+            <a:avLst/>
+          </a:prstGeom>
+        </p:spPr>
+      </p:pic>
+      <p:sp>
+        <p:nvSpPr>
+          <p:cNvPr id="14" name="ZoneTexte 13">
+            <a:extLst>
+              <a:ext uri="{FF2B5EF4-FFF2-40B4-BE49-F238E27FC236}">
+                <a16:creationId xmlns:a16="http://schemas.microsoft.com/office/drawing/2014/main" id="{86B54CEC-8FEC-443A-8ABB-40EAD24B70AF}"/>
+              </a:ext>
+            </a:extLst>
+          </p:cNvPr>
+          <p:cNvSpPr txBox="1"/>
+          <p:nvPr/>
+        </p:nvSpPr>
+        <p:spPr>
+          <a:xfrm>
+            <a:off x="7149485" y="1855995"/>
+            <a:ext cx="4864962" cy="923330"/>
+          </a:xfrm>
+          <a:prstGeom prst="rect">
+            <a:avLst/>
+          </a:prstGeom>
+          <a:noFill/>
+        </p:spPr>
+        <p:txBody>
+          <a:bodyPr wrap="square" rtlCol="0">
+            <a:spAutoFit/>
+          </a:bodyPr>
+          <a:lstStyle/>
+          <a:p>
+            <a:r>
+              <a:rPr lang="fr-FR" dirty="0"/>
+              <a:t>3. Gestion des action clavier pour déplacer le personnage . </a:t>
+            </a:r>
+            <a:r>
+              <a:rPr lang="fr-FR" dirty="0" err="1"/>
+              <a:t>ActionAutomatique</a:t>
+            </a:r>
+            <a:r>
+              <a:rPr lang="fr-FR" dirty="0"/>
+              <a:t>() sera appelée en boucle dans le </a:t>
+            </a:r>
+            <a:r>
+              <a:rPr lang="fr-FR" dirty="0" err="1"/>
+              <a:t>main_txt</a:t>
+            </a:r>
+            <a:r>
+              <a:rPr lang="fr-FR" dirty="0"/>
+              <a:t> ou </a:t>
+            </a:r>
+            <a:r>
+              <a:rPr lang="fr-FR" dirty="0" err="1"/>
+              <a:t>main_sdl</a:t>
+            </a:r>
+            <a:endParaRPr lang="fr-FR" dirty="0"/>
+          </a:p>
+        </p:txBody>
+      </p:sp>
+      <p:pic>
+        <p:nvPicPr>
+          <p:cNvPr id="16" name="Image 15">
+            <a:extLst>
+              <a:ext uri="{FF2B5EF4-FFF2-40B4-BE49-F238E27FC236}">
+                <a16:creationId xmlns:a16="http://schemas.microsoft.com/office/drawing/2014/main" id="{8183DA9C-EC56-4A51-9131-90A85F405B6E}"/>
+              </a:ext>
+            </a:extLst>
+          </p:cNvPr>
+          <p:cNvPicPr>
+            <a:picLocks noChangeAspect="1"/>
+          </p:cNvPicPr>
+          <p:nvPr/>
+        </p:nvPicPr>
+        <p:blipFill>
+          <a:blip r:embed="rId5"/>
+          <a:stretch>
+            <a:fillRect/>
+          </a:stretch>
+        </p:blipFill>
+        <p:spPr>
+          <a:xfrm>
+            <a:off x="177553" y="2334735"/>
+            <a:ext cx="2105025" cy="581025"/>
+          </a:xfrm>
+          <a:prstGeom prst="rect">
+            <a:avLst/>
+          </a:prstGeom>
+        </p:spPr>
+      </p:pic>
+      <p:sp>
+        <p:nvSpPr>
+          <p:cNvPr id="17" name="ZoneTexte 16">
+            <a:extLst>
+              <a:ext uri="{FF2B5EF4-FFF2-40B4-BE49-F238E27FC236}">
+                <a16:creationId xmlns:a16="http://schemas.microsoft.com/office/drawing/2014/main" id="{E55ABCE0-AD18-4F98-BD48-2C4DF2D4DF26}"/>
+              </a:ext>
+            </a:extLst>
+          </p:cNvPr>
+          <p:cNvSpPr txBox="1"/>
+          <p:nvPr/>
+        </p:nvSpPr>
+        <p:spPr>
+          <a:xfrm>
+            <a:off x="172512" y="3123236"/>
+            <a:ext cx="2855003" cy="369332"/>
+          </a:xfrm>
+          <a:prstGeom prst="rect">
+            <a:avLst/>
+          </a:prstGeom>
+          <a:noFill/>
+        </p:spPr>
+        <p:txBody>
+          <a:bodyPr wrap="square" rtlCol="0">
+            <a:spAutoFit/>
+          </a:bodyPr>
+          <a:lstStyle/>
+          <a:p>
+            <a:r>
+              <a:rPr lang="fr-FR" dirty="0"/>
+              <a:t>1. Initialisation de la classe</a:t>
+            </a:r>
           </a:p>
         </p:txBody>
       </p:sp>
@@ -3992,7 +4488,7 @@
         <p:spPr>
           <a:xfrm>
             <a:off x="2014537" y="204186"/>
-            <a:ext cx="8162925" cy="461665"/>
+            <a:ext cx="8162925" cy="830997"/>
           </a:xfrm>
           <a:prstGeom prst="rect">
             <a:avLst/>
@@ -4015,12 +4511,252 @@
             </a:r>
             <a:endParaRPr lang="fr-FR" sz="2400" dirty="0"/>
           </a:p>
+          <a:p>
+            <a:r>
+              <a:rPr lang="fr-FR" sz="2400" dirty="0"/>
+              <a:t>			</a:t>
+            </a:r>
+            <a:r>
+              <a:rPr lang="fr-FR" sz="2400" u="sng" dirty="0"/>
+              <a:t>Classe Personnage</a:t>
+            </a:r>
+          </a:p>
+        </p:txBody>
+      </p:sp>
+      <p:sp>
+        <p:nvSpPr>
+          <p:cNvPr id="3" name="ZoneTexte 2">
+            <a:extLst>
+              <a:ext uri="{FF2B5EF4-FFF2-40B4-BE49-F238E27FC236}">
+                <a16:creationId xmlns:a16="http://schemas.microsoft.com/office/drawing/2014/main" id="{DEF1BAAC-E47C-42A9-A5B3-020A0904209A}"/>
+              </a:ext>
+            </a:extLst>
+          </p:cNvPr>
+          <p:cNvSpPr txBox="1"/>
+          <p:nvPr/>
+        </p:nvSpPr>
+        <p:spPr>
+          <a:xfrm>
+            <a:off x="177553" y="1083076"/>
+            <a:ext cx="11836894" cy="646331"/>
+          </a:xfrm>
+          <a:prstGeom prst="rect">
+            <a:avLst/>
+          </a:prstGeom>
+          <a:noFill/>
+        </p:spPr>
+        <p:txBody>
+          <a:bodyPr wrap="square" rtlCol="0">
+            <a:spAutoFit/>
+          </a:bodyPr>
+          <a:lstStyle/>
+          <a:p>
+            <a:r>
+              <a:rPr lang="fr-FR" dirty="0"/>
+              <a:t>La classe Personnage permet d’initialiser un Personnage tout en lui donnant un ensemble d’attribut , elle contient des accesseurs et mutateurs pour toutes les données membres . </a:t>
+            </a:r>
+          </a:p>
+        </p:txBody>
+      </p:sp>
+      <p:pic>
+        <p:nvPicPr>
+          <p:cNvPr id="6" name="Image 5">
+            <a:extLst>
+              <a:ext uri="{FF2B5EF4-FFF2-40B4-BE49-F238E27FC236}">
+                <a16:creationId xmlns:a16="http://schemas.microsoft.com/office/drawing/2014/main" id="{30973C61-6171-451A-8AF2-09A471BE5840}"/>
+              </a:ext>
+            </a:extLst>
+          </p:cNvPr>
+          <p:cNvPicPr>
+            <a:picLocks noChangeAspect="1"/>
+          </p:cNvPicPr>
+          <p:nvPr/>
+        </p:nvPicPr>
+        <p:blipFill>
+          <a:blip r:embed="rId3"/>
+          <a:stretch>
+            <a:fillRect/>
+          </a:stretch>
+        </p:blipFill>
+        <p:spPr>
+          <a:xfrm>
+            <a:off x="271462" y="2466832"/>
+            <a:ext cx="1743075" cy="3400425"/>
+          </a:xfrm>
+          <a:prstGeom prst="rect">
+            <a:avLst/>
+          </a:prstGeom>
+        </p:spPr>
+      </p:pic>
+      <p:pic>
+        <p:nvPicPr>
+          <p:cNvPr id="9" name="Image 8">
+            <a:extLst>
+              <a:ext uri="{FF2B5EF4-FFF2-40B4-BE49-F238E27FC236}">
+                <a16:creationId xmlns:a16="http://schemas.microsoft.com/office/drawing/2014/main" id="{66BBEF1E-F77B-46BC-A3F2-DF14C5ADAB90}"/>
+              </a:ext>
+            </a:extLst>
+          </p:cNvPr>
+          <p:cNvPicPr>
+            <a:picLocks noChangeAspect="1"/>
+          </p:cNvPicPr>
+          <p:nvPr/>
+        </p:nvPicPr>
+        <p:blipFill>
+          <a:blip r:embed="rId4"/>
+          <a:stretch>
+            <a:fillRect/>
+          </a:stretch>
+        </p:blipFill>
+        <p:spPr>
+          <a:xfrm>
+            <a:off x="2926637" y="2466832"/>
+            <a:ext cx="4160019" cy="3400425"/>
+          </a:xfrm>
+          <a:prstGeom prst="rect">
+            <a:avLst/>
+          </a:prstGeom>
+        </p:spPr>
+      </p:pic>
+      <p:pic>
+        <p:nvPicPr>
+          <p:cNvPr id="11" name="Image 10">
+            <a:extLst>
+              <a:ext uri="{FF2B5EF4-FFF2-40B4-BE49-F238E27FC236}">
+                <a16:creationId xmlns:a16="http://schemas.microsoft.com/office/drawing/2014/main" id="{C91A2D86-3CC1-4ECA-89C5-857840E0F4BB}"/>
+              </a:ext>
+            </a:extLst>
+          </p:cNvPr>
+          <p:cNvPicPr>
+            <a:picLocks noChangeAspect="1"/>
+          </p:cNvPicPr>
+          <p:nvPr/>
+        </p:nvPicPr>
+        <p:blipFill>
+          <a:blip r:embed="rId5"/>
+          <a:stretch>
+            <a:fillRect/>
+          </a:stretch>
+        </p:blipFill>
+        <p:spPr>
+          <a:xfrm>
+            <a:off x="7617617" y="2369586"/>
+            <a:ext cx="3529016" cy="3462610"/>
+          </a:xfrm>
+          <a:prstGeom prst="rect">
+            <a:avLst/>
+          </a:prstGeom>
+        </p:spPr>
+      </p:pic>
+      <p:sp>
+        <p:nvSpPr>
+          <p:cNvPr id="12" name="ZoneTexte 11">
+            <a:extLst>
+              <a:ext uri="{FF2B5EF4-FFF2-40B4-BE49-F238E27FC236}">
+                <a16:creationId xmlns:a16="http://schemas.microsoft.com/office/drawing/2014/main" id="{A362F4D9-9097-4BBF-9C92-AD83DD3DF31A}"/>
+              </a:ext>
+            </a:extLst>
+          </p:cNvPr>
+          <p:cNvSpPr txBox="1"/>
+          <p:nvPr/>
+        </p:nvSpPr>
+        <p:spPr>
+          <a:xfrm>
+            <a:off x="104774" y="1977329"/>
+            <a:ext cx="2047875" cy="369332"/>
+          </a:xfrm>
+          <a:prstGeom prst="rect">
+            <a:avLst/>
+          </a:prstGeom>
+          <a:noFill/>
+        </p:spPr>
+        <p:txBody>
+          <a:bodyPr wrap="square" rtlCol="0">
+            <a:spAutoFit/>
+          </a:bodyPr>
+          <a:lstStyle/>
+          <a:p>
+            <a:r>
+              <a:rPr lang="fr-FR" dirty="0"/>
+              <a:t>0.Les attributs</a:t>
+            </a:r>
+          </a:p>
+        </p:txBody>
+      </p:sp>
+      <p:sp>
+        <p:nvSpPr>
+          <p:cNvPr id="13" name="ZoneTexte 12">
+            <a:extLst>
+              <a:ext uri="{FF2B5EF4-FFF2-40B4-BE49-F238E27FC236}">
+                <a16:creationId xmlns:a16="http://schemas.microsoft.com/office/drawing/2014/main" id="{A66A6D7C-A654-4ED1-B363-A0B3F877572D}"/>
+              </a:ext>
+            </a:extLst>
+          </p:cNvPr>
+          <p:cNvSpPr txBox="1"/>
+          <p:nvPr/>
+        </p:nvSpPr>
+        <p:spPr>
+          <a:xfrm>
+            <a:off x="2926422" y="2000254"/>
+            <a:ext cx="3893477" cy="369332"/>
+          </a:xfrm>
+          <a:prstGeom prst="rect">
+            <a:avLst/>
+          </a:prstGeom>
+          <a:noFill/>
+        </p:spPr>
+        <p:txBody>
+          <a:bodyPr wrap="square" rtlCol="0">
+            <a:spAutoFit/>
+          </a:bodyPr>
+          <a:lstStyle/>
+          <a:p>
+            <a:r>
+              <a:rPr lang="fr-FR" dirty="0"/>
+              <a:t>1.Déplacements par rapport au terrain</a:t>
+            </a:r>
+          </a:p>
+        </p:txBody>
+      </p:sp>
+      <p:sp>
+        <p:nvSpPr>
+          <p:cNvPr id="14" name="ZoneTexte 13">
+            <a:extLst>
+              <a:ext uri="{FF2B5EF4-FFF2-40B4-BE49-F238E27FC236}">
+                <a16:creationId xmlns:a16="http://schemas.microsoft.com/office/drawing/2014/main" id="{076CB2B4-9B9F-41F5-8FC6-562F820AFFC4}"/>
+              </a:ext>
+            </a:extLst>
+          </p:cNvPr>
+          <p:cNvSpPr txBox="1"/>
+          <p:nvPr/>
+        </p:nvSpPr>
+        <p:spPr>
+          <a:xfrm>
+            <a:off x="7318839" y="1977329"/>
+            <a:ext cx="3893477" cy="369332"/>
+          </a:xfrm>
+          <a:prstGeom prst="rect">
+            <a:avLst/>
+          </a:prstGeom>
+          <a:noFill/>
+        </p:spPr>
+        <p:txBody>
+          <a:bodyPr wrap="square" rtlCol="0">
+            <a:spAutoFit/>
+          </a:bodyPr>
+          <a:lstStyle/>
+          <a:p>
+            <a:r>
+              <a:rPr lang="fr-FR" dirty="0"/>
+              <a:t>2.Exemples de fonctions …</a:t>
+            </a:r>
+          </a:p>
         </p:txBody>
       </p:sp>
     </p:spTree>
     <p:extLst>
       <p:ext uri="{BB962C8B-B14F-4D97-AF65-F5344CB8AC3E}">
-        <p14:creationId xmlns:p14="http://schemas.microsoft.com/office/powerpoint/2010/main" val="606043828"/>
+        <p14:creationId xmlns:p14="http://schemas.microsoft.com/office/powerpoint/2010/main" val="4110735575"/>
       </p:ext>
     </p:extLst>
   </p:cSld>
@@ -4133,7 +4869,7 @@
         <p:spPr>
           <a:xfrm>
             <a:off x="2014537" y="204186"/>
-            <a:ext cx="8162925" cy="461665"/>
+            <a:ext cx="8162925" cy="830997"/>
           </a:xfrm>
           <a:prstGeom prst="rect">
             <a:avLst/>
@@ -4156,12 +4892,75 @@
             </a:r>
             <a:endParaRPr lang="fr-FR" sz="2400" dirty="0"/>
           </a:p>
+          <a:p>
+            <a:r>
+              <a:rPr lang="fr-FR" sz="2400" dirty="0"/>
+              <a:t>			</a:t>
+            </a:r>
+            <a:r>
+              <a:rPr lang="fr-FR" sz="2400" u="sng" dirty="0"/>
+              <a:t>Classe </a:t>
+            </a:r>
+            <a:r>
+              <a:rPr lang="fr-FR" sz="2400" u="sng" dirty="0" err="1"/>
+              <a:t>sdljeu</a:t>
+            </a:r>
+            <a:endParaRPr lang="fr-FR" sz="2400" u="sng" dirty="0"/>
+          </a:p>
+        </p:txBody>
+      </p:sp>
+      <p:sp>
+        <p:nvSpPr>
+          <p:cNvPr id="3" name="ZoneTexte 2">
+            <a:extLst>
+              <a:ext uri="{FF2B5EF4-FFF2-40B4-BE49-F238E27FC236}">
+                <a16:creationId xmlns:a16="http://schemas.microsoft.com/office/drawing/2014/main" id="{DEF1BAAC-E47C-42A9-A5B3-020A0904209A}"/>
+              </a:ext>
+            </a:extLst>
+          </p:cNvPr>
+          <p:cNvSpPr txBox="1"/>
+          <p:nvPr/>
+        </p:nvSpPr>
+        <p:spPr>
+          <a:xfrm>
+            <a:off x="177553" y="1083076"/>
+            <a:ext cx="11836894" cy="646331"/>
+          </a:xfrm>
+          <a:prstGeom prst="rect">
+            <a:avLst/>
+          </a:prstGeom>
+          <a:noFill/>
+        </p:spPr>
+        <p:txBody>
+          <a:bodyPr wrap="square" rtlCol="0">
+            <a:spAutoFit/>
+          </a:bodyPr>
+          <a:lstStyle/>
+          <a:p>
+            <a:r>
+              <a:rPr lang="fr-FR" dirty="0"/>
+              <a:t>La classe </a:t>
+            </a:r>
+            <a:r>
+              <a:rPr lang="fr-FR" dirty="0" err="1"/>
+              <a:t>sdlJeu</a:t>
+            </a:r>
+            <a:r>
+              <a:rPr lang="fr-FR" dirty="0"/>
+              <a:t> est la classe qui gère l’interface graphique , elle initialise la SDL/SDL2 et permet de jouer des audios selon les niveaux et les déplacements </a:t>
+            </a:r>
+            <a:r>
+              <a:rPr lang="fr-FR"/>
+              <a:t>de personnage.</a:t>
+            </a:r>
+            <a:endParaRPr lang="fr-FR" dirty="0"/>
+          </a:p>
         </p:txBody>
       </p:sp>
     </p:spTree>
     <p:extLst>
       <p:ext uri="{BB962C8B-B14F-4D97-AF65-F5344CB8AC3E}">
-        <p14:creationId xmlns:p14="http://schemas.microsoft.com/office/powerpoint/2010/main" val="2390822445"/>
+        <p14:creationId xmlns:p14="http://schemas.microsoft.com/office/powerpoint/2010/main" val="74941820"/>
       </p:ext>
     </p:extLst>
   </p:cSld>

--- a/doc/Présentation-projet-ultimatelifkas.pptx
+++ b/doc/Présentation-projet-ultimatelifkas.pptx
@@ -10,6 +10,11 @@
     <p:sldId id="259" r:id="rId4"/>
     <p:sldId id="260" r:id="rId5"/>
     <p:sldId id="261" r:id="rId6"/>
+    <p:sldId id="262" r:id="rId7"/>
+    <p:sldId id="263" r:id="rId8"/>
+    <p:sldId id="264" r:id="rId9"/>
+    <p:sldId id="265" r:id="rId10"/>
+    <p:sldId id="266" r:id="rId11"/>
   </p:sldIdLst>
   <p:sldSz cx="12192000" cy="6858000"/>
   <p:notesSz cx="6858000" cy="9144000"/>
@@ -114,6 +119,839 @@
     </p:ext>
   </p:extLst>
 </p:presentation>
+</file>
+
+<file path=ppt/charts/chart1.xml><?xml version="1.0" encoding="utf-8"?>
+<c:chartSpace xmlns:c="http://schemas.openxmlformats.org/drawingml/2006/chart" xmlns:a="http://schemas.openxmlformats.org/drawingml/2006/main" xmlns:r="http://schemas.openxmlformats.org/officeDocument/2006/relationships" xmlns:c16r2="http://schemas.microsoft.com/office/drawing/2015/06/chart">
+  <c:date1904 val="0"/>
+  <c:lang val="fr-FR"/>
+  <c:roundedCorners val="0"/>
+  <mc:AlternateContent xmlns:mc="http://schemas.openxmlformats.org/markup-compatibility/2006">
+    <mc:Choice xmlns:c14="http://schemas.microsoft.com/office/drawing/2007/8/2/chart" Requires="c14">
+      <c14:style val="102"/>
+    </mc:Choice>
+    <mc:Fallback>
+      <c:style val="2"/>
+    </mc:Fallback>
+  </mc:AlternateContent>
+  <c:chart>
+    <c:title>
+      <c:overlay val="0"/>
+      <c:spPr>
+        <a:noFill/>
+        <a:ln>
+          <a:noFill/>
+        </a:ln>
+        <a:effectLst/>
+      </c:spPr>
+      <c:txPr>
+        <a:bodyPr rot="0" spcFirstLastPara="1" vertOverflow="ellipsis" vert="horz" wrap="square" anchor="ctr" anchorCtr="1"/>
+        <a:lstStyle/>
+        <a:p>
+          <a:pPr>
+            <a:defRPr sz="1862" b="0" i="0" u="none" strike="noStrike" kern="1200" spc="0" baseline="0">
+              <a:solidFill>
+                <a:schemeClr val="tx1">
+                  <a:lumMod val="65000"/>
+                  <a:lumOff val="35000"/>
+                </a:schemeClr>
+              </a:solidFill>
+              <a:latin typeface="+mn-lt"/>
+              <a:ea typeface="+mn-ea"/>
+              <a:cs typeface="+mn-cs"/>
+            </a:defRPr>
+          </a:pPr>
+          <a:endParaRPr lang="fr-FR"/>
+        </a:p>
+      </c:txPr>
+    </c:title>
+    <c:autoTitleDeleted val="0"/>
+    <c:plotArea>
+      <c:layout/>
+      <c:pieChart>
+        <c:varyColors val="1"/>
+        <c:ser>
+          <c:idx val="0"/>
+          <c:order val="0"/>
+          <c:tx>
+            <c:strRef>
+              <c:f>Feuil1!$B$1</c:f>
+              <c:strCache>
+                <c:ptCount val="1"/>
+                <c:pt idx="0">
+                  <c:v>Repartition temps de travail</c:v>
+                </c:pt>
+              </c:strCache>
+            </c:strRef>
+          </c:tx>
+          <c:dPt>
+            <c:idx val="0"/>
+            <c:bubble3D val="0"/>
+            <c:spPr>
+              <a:solidFill>
+                <a:schemeClr val="accent1"/>
+              </a:solidFill>
+              <a:ln w="19050">
+                <a:solidFill>
+                  <a:schemeClr val="lt1"/>
+                </a:solidFill>
+              </a:ln>
+              <a:effectLst/>
+            </c:spPr>
+            <c:extLst>
+              <c:ext xmlns:c16="http://schemas.microsoft.com/office/drawing/2014/chart" uri="{C3380CC4-5D6E-409C-BE32-E72D297353CC}">
+                <c16:uniqueId val="{00000001-AE61-4DBC-AE1C-7BF51D2E8637}"/>
+              </c:ext>
+            </c:extLst>
+          </c:dPt>
+          <c:dPt>
+            <c:idx val="1"/>
+            <c:bubble3D val="0"/>
+            <c:spPr>
+              <a:solidFill>
+                <a:schemeClr val="accent2"/>
+              </a:solidFill>
+              <a:ln w="19050">
+                <a:solidFill>
+                  <a:schemeClr val="lt1"/>
+                </a:solidFill>
+              </a:ln>
+              <a:effectLst/>
+            </c:spPr>
+            <c:extLst>
+              <c:ext xmlns:c16="http://schemas.microsoft.com/office/drawing/2014/chart" uri="{C3380CC4-5D6E-409C-BE32-E72D297353CC}">
+                <c16:uniqueId val="{00000003-E76B-4756-8778-DE57DA5E02DA}"/>
+              </c:ext>
+            </c:extLst>
+          </c:dPt>
+          <c:dPt>
+            <c:idx val="2"/>
+            <c:bubble3D val="0"/>
+            <c:spPr>
+              <a:solidFill>
+                <a:schemeClr val="accent3"/>
+              </a:solidFill>
+              <a:ln w="19050">
+                <a:solidFill>
+                  <a:schemeClr val="lt1"/>
+                </a:solidFill>
+              </a:ln>
+              <a:effectLst/>
+            </c:spPr>
+            <c:extLst>
+              <c:ext xmlns:c16="http://schemas.microsoft.com/office/drawing/2014/chart" uri="{C3380CC4-5D6E-409C-BE32-E72D297353CC}">
+                <c16:uniqueId val="{00000002-E76B-4756-8778-DE57DA5E02DA}"/>
+              </c:ext>
+            </c:extLst>
+          </c:dPt>
+          <c:dPt>
+            <c:idx val="3"/>
+            <c:bubble3D val="0"/>
+            <c:spPr>
+              <a:solidFill>
+                <a:schemeClr val="accent4"/>
+              </a:solidFill>
+              <a:ln w="19050">
+                <a:solidFill>
+                  <a:schemeClr val="lt1"/>
+                </a:solidFill>
+              </a:ln>
+              <a:effectLst/>
+            </c:spPr>
+            <c:extLst>
+              <c:ext xmlns:c16="http://schemas.microsoft.com/office/drawing/2014/chart" uri="{C3380CC4-5D6E-409C-BE32-E72D297353CC}">
+                <c16:uniqueId val="{00000007-AE61-4DBC-AE1C-7BF51D2E8637}"/>
+              </c:ext>
+            </c:extLst>
+          </c:dPt>
+          <c:cat>
+            <c:strRef>
+              <c:f>Feuil1!$A$2:$A$5</c:f>
+              <c:strCache>
+                <c:ptCount val="4"/>
+                <c:pt idx="0">
+                  <c:v>Conception</c:v>
+                </c:pt>
+                <c:pt idx="1">
+                  <c:v>Implémentation</c:v>
+                </c:pt>
+                <c:pt idx="2">
+                  <c:v>Design</c:v>
+                </c:pt>
+                <c:pt idx="3">
+                  <c:v>Debug/Recherche</c:v>
+                </c:pt>
+              </c:strCache>
+            </c:strRef>
+          </c:cat>
+          <c:val>
+            <c:numRef>
+              <c:f>Feuil1!$B$2:$B$5</c:f>
+              <c:numCache>
+                <c:formatCode>General</c:formatCode>
+                <c:ptCount val="4"/>
+                <c:pt idx="0">
+                  <c:v>1</c:v>
+                </c:pt>
+                <c:pt idx="1">
+                  <c:v>2</c:v>
+                </c:pt>
+                <c:pt idx="2">
+                  <c:v>3</c:v>
+                </c:pt>
+                <c:pt idx="3">
+                  <c:v>6</c:v>
+                </c:pt>
+              </c:numCache>
+            </c:numRef>
+          </c:val>
+          <c:extLst>
+            <c:ext xmlns:c16="http://schemas.microsoft.com/office/drawing/2014/chart" uri="{C3380CC4-5D6E-409C-BE32-E72D297353CC}">
+              <c16:uniqueId val="{00000000-E76B-4756-8778-DE57DA5E02DA}"/>
+            </c:ext>
+          </c:extLst>
+        </c:ser>
+        <c:dLbls>
+          <c:showLegendKey val="0"/>
+          <c:showVal val="0"/>
+          <c:showCatName val="0"/>
+          <c:showSerName val="0"/>
+          <c:showPercent val="0"/>
+          <c:showBubbleSize val="0"/>
+          <c:showLeaderLines val="1"/>
+        </c:dLbls>
+        <c:firstSliceAng val="0"/>
+      </c:pieChart>
+      <c:spPr>
+        <a:noFill/>
+        <a:ln>
+          <a:noFill/>
+        </a:ln>
+        <a:effectLst/>
+      </c:spPr>
+    </c:plotArea>
+    <c:legend>
+      <c:legendPos val="b"/>
+      <c:overlay val="0"/>
+      <c:spPr>
+        <a:noFill/>
+        <a:ln>
+          <a:noFill/>
+        </a:ln>
+        <a:effectLst/>
+      </c:spPr>
+      <c:txPr>
+        <a:bodyPr rot="0" spcFirstLastPara="1" vertOverflow="ellipsis" vert="horz" wrap="square" anchor="ctr" anchorCtr="1"/>
+        <a:lstStyle/>
+        <a:p>
+          <a:pPr>
+            <a:defRPr sz="1197" b="0" i="0" u="none" strike="noStrike" kern="1200" baseline="0">
+              <a:solidFill>
+                <a:schemeClr val="tx1">
+                  <a:lumMod val="65000"/>
+                  <a:lumOff val="35000"/>
+                </a:schemeClr>
+              </a:solidFill>
+              <a:latin typeface="+mn-lt"/>
+              <a:ea typeface="+mn-ea"/>
+              <a:cs typeface="+mn-cs"/>
+            </a:defRPr>
+          </a:pPr>
+          <a:endParaRPr lang="fr-FR"/>
+        </a:p>
+      </c:txPr>
+    </c:legend>
+    <c:plotVisOnly val="1"/>
+    <c:dispBlanksAs val="gap"/>
+    <c:extLst>
+      <c:ext xmlns:c16r3="http://schemas.microsoft.com/office/drawing/2017/03/chart" uri="{56B9EC1D-385E-4148-901F-78D8002777C0}">
+        <c16r3:dataDisplayOptions16>
+          <c16r3:dispNaAsBlank val="1"/>
+        </c16r3:dataDisplayOptions16>
+      </c:ext>
+    </c:extLst>
+    <c:showDLblsOverMax val="0"/>
+  </c:chart>
+  <c:spPr>
+    <a:noFill/>
+    <a:ln>
+      <a:noFill/>
+    </a:ln>
+    <a:effectLst/>
+  </c:spPr>
+  <c:txPr>
+    <a:bodyPr/>
+    <a:lstStyle/>
+    <a:p>
+      <a:pPr>
+        <a:defRPr/>
+      </a:pPr>
+      <a:endParaRPr lang="fr-FR"/>
+    </a:p>
+  </c:txPr>
+  <c:externalData r:id="rId3">
+    <c:autoUpdate val="0"/>
+  </c:externalData>
+</c:chartSpace>
+</file>
+
+<file path=ppt/charts/colors1.xml><?xml version="1.0" encoding="utf-8"?>
+<cs:colorStyle xmlns:cs="http://schemas.microsoft.com/office/drawing/2012/chartStyle" xmlns:a="http://schemas.openxmlformats.org/drawingml/2006/main" meth="cycle" id="10">
+  <a:schemeClr val="accent1"/>
+  <a:schemeClr val="accent2"/>
+  <a:schemeClr val="accent3"/>
+  <a:schemeClr val="accent4"/>
+  <a:schemeClr val="accent5"/>
+  <a:schemeClr val="accent6"/>
+  <cs:variation/>
+  <cs:variation>
+    <a:lumMod val="60000"/>
+  </cs:variation>
+  <cs:variation>
+    <a:lumMod val="80000"/>
+    <a:lumOff val="20000"/>
+  </cs:variation>
+  <cs:variation>
+    <a:lumMod val="80000"/>
+  </cs:variation>
+  <cs:variation>
+    <a:lumMod val="60000"/>
+    <a:lumOff val="40000"/>
+  </cs:variation>
+  <cs:variation>
+    <a:lumMod val="50000"/>
+  </cs:variation>
+  <cs:variation>
+    <a:lumMod val="70000"/>
+    <a:lumOff val="30000"/>
+  </cs:variation>
+  <cs:variation>
+    <a:lumMod val="70000"/>
+  </cs:variation>
+  <cs:variation>
+    <a:lumMod val="50000"/>
+    <a:lumOff val="50000"/>
+  </cs:variation>
+</cs:colorStyle>
+</file>
+
+<file path=ppt/charts/style1.xml><?xml version="1.0" encoding="utf-8"?>
+<cs:chartStyle xmlns:cs="http://schemas.microsoft.com/office/drawing/2012/chartStyle" xmlns:a="http://schemas.openxmlformats.org/drawingml/2006/main" id="251">
+  <cs:axisTitle>
+    <cs:lnRef idx="0"/>
+    <cs:fillRef idx="0"/>
+    <cs:effectRef idx="0"/>
+    <cs:fontRef idx="minor">
+      <a:schemeClr val="tx1">
+        <a:lumMod val="65000"/>
+        <a:lumOff val="35000"/>
+      </a:schemeClr>
+    </cs:fontRef>
+    <cs:defRPr sz="1330" kern="1200"/>
+  </cs:axisTitle>
+  <cs:categoryAxis>
+    <cs:lnRef idx="0"/>
+    <cs:fillRef idx="0"/>
+    <cs:effectRef idx="0"/>
+    <cs:fontRef idx="minor">
+      <a:schemeClr val="tx1">
+        <a:lumMod val="65000"/>
+        <a:lumOff val="35000"/>
+      </a:schemeClr>
+    </cs:fontRef>
+    <cs:spPr>
+      <a:ln w="9525" cap="flat" cmpd="sng" algn="ctr">
+        <a:solidFill>
+          <a:schemeClr val="tx1">
+            <a:lumMod val="15000"/>
+            <a:lumOff val="85000"/>
+          </a:schemeClr>
+        </a:solidFill>
+        <a:round/>
+      </a:ln>
+    </cs:spPr>
+    <cs:defRPr sz="1197" kern="1200"/>
+  </cs:categoryAxis>
+  <cs:chartArea mods="allowNoFillOverride allowNoLineOverride">
+    <cs:lnRef idx="0"/>
+    <cs:fillRef idx="0"/>
+    <cs:effectRef idx="0"/>
+    <cs:fontRef idx="minor">
+      <a:schemeClr val="tx1"/>
+    </cs:fontRef>
+    <cs:spPr>
+      <a:solidFill>
+        <a:schemeClr val="bg1"/>
+      </a:solidFill>
+      <a:ln w="9525" cap="flat" cmpd="sng" algn="ctr">
+        <a:solidFill>
+          <a:schemeClr val="tx1">
+            <a:lumMod val="15000"/>
+            <a:lumOff val="85000"/>
+          </a:schemeClr>
+        </a:solidFill>
+        <a:round/>
+      </a:ln>
+    </cs:spPr>
+    <cs:defRPr sz="1197" kern="1200"/>
+  </cs:chartArea>
+  <cs:dataLabel>
+    <cs:lnRef idx="0"/>
+    <cs:fillRef idx="0"/>
+    <cs:effectRef idx="0"/>
+    <cs:fontRef idx="minor">
+      <a:schemeClr val="tx1">
+        <a:lumMod val="75000"/>
+        <a:lumOff val="25000"/>
+      </a:schemeClr>
+    </cs:fontRef>
+    <cs:defRPr sz="1197" kern="1200"/>
+  </cs:dataLabel>
+  <cs:dataLabelCallout>
+    <cs:lnRef idx="0"/>
+    <cs:fillRef idx="0"/>
+    <cs:effectRef idx="0"/>
+    <cs:fontRef idx="minor">
+      <a:schemeClr val="dk1">
+        <a:lumMod val="65000"/>
+        <a:lumOff val="35000"/>
+      </a:schemeClr>
+    </cs:fontRef>
+    <cs:spPr>
+      <a:solidFill>
+        <a:schemeClr val="lt1"/>
+      </a:solidFill>
+      <a:ln>
+        <a:solidFill>
+          <a:schemeClr val="dk1">
+            <a:lumMod val="25000"/>
+            <a:lumOff val="75000"/>
+          </a:schemeClr>
+        </a:solidFill>
+      </a:ln>
+    </cs:spPr>
+    <cs:defRPr sz="1197" kern="1200"/>
+    <cs:bodyPr rot="0" spcFirstLastPara="1" vertOverflow="clip" horzOverflow="clip" vert="horz" wrap="square" lIns="36576" tIns="18288" rIns="36576" bIns="18288" anchor="ctr" anchorCtr="1">
+      <a:spAutoFit/>
+    </cs:bodyPr>
+  </cs:dataLabelCallout>
+  <cs:dataPoint>
+    <cs:lnRef idx="0"/>
+    <cs:fillRef idx="1">
+      <cs:styleClr val="auto"/>
+    </cs:fillRef>
+    <cs:effectRef idx="0"/>
+    <cs:fontRef idx="minor">
+      <a:schemeClr val="tx1"/>
+    </cs:fontRef>
+    <cs:spPr>
+      <a:ln w="19050">
+        <a:solidFill>
+          <a:schemeClr val="lt1"/>
+        </a:solidFill>
+      </a:ln>
+    </cs:spPr>
+  </cs:dataPoint>
+  <cs:dataPoint3D>
+    <cs:lnRef idx="0"/>
+    <cs:fillRef idx="1">
+      <cs:styleClr val="auto"/>
+    </cs:fillRef>
+    <cs:effectRef idx="0"/>
+    <cs:fontRef idx="minor">
+      <a:schemeClr val="tx1"/>
+    </cs:fontRef>
+    <cs:spPr>
+      <a:ln w="25400">
+        <a:solidFill>
+          <a:schemeClr val="lt1"/>
+        </a:solidFill>
+      </a:ln>
+    </cs:spPr>
+  </cs:dataPoint3D>
+  <cs:dataPointLine>
+    <cs:lnRef idx="0">
+      <cs:styleClr val="auto"/>
+    </cs:lnRef>
+    <cs:fillRef idx="0"/>
+    <cs:effectRef idx="0"/>
+    <cs:fontRef idx="minor">
+      <a:schemeClr val="tx1"/>
+    </cs:fontRef>
+    <cs:spPr>
+      <a:ln w="28575" cap="rnd">
+        <a:solidFill>
+          <a:schemeClr val="phClr"/>
+        </a:solidFill>
+        <a:round/>
+      </a:ln>
+    </cs:spPr>
+  </cs:dataPointLine>
+  <cs:dataPointMarker>
+    <cs:lnRef idx="0">
+      <cs:styleClr val="auto"/>
+    </cs:lnRef>
+    <cs:fillRef idx="1">
+      <cs:styleClr val="auto"/>
+    </cs:fillRef>
+    <cs:effectRef idx="0"/>
+    <cs:fontRef idx="minor">
+      <a:schemeClr val="tx1"/>
+    </cs:fontRef>
+    <cs:spPr>
+      <a:ln w="9525">
+        <a:solidFill>
+          <a:schemeClr val="phClr"/>
+        </a:solidFill>
+      </a:ln>
+    </cs:spPr>
+  </cs:dataPointMarker>
+  <cs:dataPointMarkerLayout symbol="circle" size="5"/>
+  <cs:dataPointWireframe>
+    <cs:lnRef idx="0">
+      <cs:styleClr val="auto"/>
+    </cs:lnRef>
+    <cs:fillRef idx="0"/>
+    <cs:effectRef idx="0"/>
+    <cs:fontRef idx="minor">
+      <a:schemeClr val="tx1"/>
+    </cs:fontRef>
+    <cs:spPr>
+      <a:ln w="9525" cap="rnd">
+        <a:solidFill>
+          <a:schemeClr val="phClr"/>
+        </a:solidFill>
+        <a:round/>
+      </a:ln>
+    </cs:spPr>
+  </cs:dataPointWireframe>
+  <cs:dataTable>
+    <cs:lnRef idx="0"/>
+    <cs:fillRef idx="0"/>
+    <cs:effectRef idx="0"/>
+    <cs:fontRef idx="minor">
+      <a:schemeClr val="tx1">
+        <a:lumMod val="65000"/>
+        <a:lumOff val="35000"/>
+      </a:schemeClr>
+    </cs:fontRef>
+    <cs:spPr>
+      <a:noFill/>
+      <a:ln w="9525" cap="flat" cmpd="sng" algn="ctr">
+        <a:solidFill>
+          <a:schemeClr val="tx1">
+            <a:lumMod val="15000"/>
+            <a:lumOff val="85000"/>
+          </a:schemeClr>
+        </a:solidFill>
+        <a:round/>
+      </a:ln>
+    </cs:spPr>
+    <cs:defRPr sz="1197" kern="1200"/>
+  </cs:dataTable>
+  <cs:downBar>
+    <cs:lnRef idx="0"/>
+    <cs:fillRef idx="0"/>
+    <cs:effectRef idx="0"/>
+    <cs:fontRef idx="minor">
+      <a:schemeClr val="tx1"/>
+    </cs:fontRef>
+    <cs:spPr>
+      <a:solidFill>
+        <a:schemeClr val="dk1">
+          <a:lumMod val="75000"/>
+          <a:lumOff val="25000"/>
+        </a:schemeClr>
+      </a:solidFill>
+      <a:ln w="9525" cap="flat" cmpd="sng" algn="ctr">
+        <a:solidFill>
+          <a:schemeClr val="tx1">
+            <a:lumMod val="65000"/>
+            <a:lumOff val="35000"/>
+          </a:schemeClr>
+        </a:solidFill>
+        <a:round/>
+      </a:ln>
+    </cs:spPr>
+  </cs:downBar>
+  <cs:dropLine>
+    <cs:lnRef idx="0"/>
+    <cs:fillRef idx="0"/>
+    <cs:effectRef idx="0"/>
+    <cs:fontRef idx="minor">
+      <a:schemeClr val="tx1"/>
+    </cs:fontRef>
+    <cs:spPr>
+      <a:ln w="9525" cap="flat" cmpd="sng" algn="ctr">
+        <a:solidFill>
+          <a:schemeClr val="tx1">
+            <a:lumMod val="35000"/>
+            <a:lumOff val="65000"/>
+          </a:schemeClr>
+        </a:solidFill>
+        <a:round/>
+      </a:ln>
+    </cs:spPr>
+  </cs:dropLine>
+  <cs:errorBar>
+    <cs:lnRef idx="0"/>
+    <cs:fillRef idx="0"/>
+    <cs:effectRef idx="0"/>
+    <cs:fontRef idx="minor">
+      <a:schemeClr val="tx1"/>
+    </cs:fontRef>
+    <cs:spPr>
+      <a:ln w="9525" cap="flat" cmpd="sng" algn="ctr">
+        <a:solidFill>
+          <a:schemeClr val="tx1">
+            <a:lumMod val="65000"/>
+            <a:lumOff val="35000"/>
+          </a:schemeClr>
+        </a:solidFill>
+        <a:round/>
+      </a:ln>
+    </cs:spPr>
+  </cs:errorBar>
+  <cs:floor>
+    <cs:lnRef idx="0"/>
+    <cs:fillRef idx="0"/>
+    <cs:effectRef idx="0"/>
+    <cs:fontRef idx="minor">
+      <a:schemeClr val="tx1"/>
+    </cs:fontRef>
+    <cs:spPr>
+      <a:noFill/>
+      <a:ln>
+        <a:noFill/>
+      </a:ln>
+    </cs:spPr>
+  </cs:floor>
+  <cs:gridlineMajor>
+    <cs:lnRef idx="0"/>
+    <cs:fillRef idx="0"/>
+    <cs:effectRef idx="0"/>
+    <cs:fontRef idx="minor">
+      <a:schemeClr val="tx1"/>
+    </cs:fontRef>
+    <cs:spPr>
+      <a:ln w="9525" cap="flat" cmpd="sng" algn="ctr">
+        <a:solidFill>
+          <a:schemeClr val="tx1">
+            <a:lumMod val="15000"/>
+            <a:lumOff val="85000"/>
+          </a:schemeClr>
+        </a:solidFill>
+        <a:round/>
+      </a:ln>
+    </cs:spPr>
+  </cs:gridlineMajor>
+  <cs:gridlineMinor>
+    <cs:lnRef idx="0"/>
+    <cs:fillRef idx="0"/>
+    <cs:effectRef idx="0"/>
+    <cs:fontRef idx="minor">
+      <a:schemeClr val="tx1"/>
+    </cs:fontRef>
+    <cs:spPr>
+      <a:ln w="9525" cap="flat" cmpd="sng" algn="ctr">
+        <a:solidFill>
+          <a:schemeClr val="tx1">
+            <a:lumMod val="5000"/>
+            <a:lumOff val="95000"/>
+          </a:schemeClr>
+        </a:solidFill>
+        <a:round/>
+      </a:ln>
+    </cs:spPr>
+  </cs:gridlineMinor>
+  <cs:hiLoLine>
+    <cs:lnRef idx="0"/>
+    <cs:fillRef idx="0"/>
+    <cs:effectRef idx="0"/>
+    <cs:fontRef idx="minor">
+      <a:schemeClr val="tx1"/>
+    </cs:fontRef>
+    <cs:spPr>
+      <a:ln w="9525" cap="flat" cmpd="sng" algn="ctr">
+        <a:solidFill>
+          <a:schemeClr val="tx1">
+            <a:lumMod val="50000"/>
+            <a:lumOff val="50000"/>
+          </a:schemeClr>
+        </a:solidFill>
+        <a:round/>
+      </a:ln>
+    </cs:spPr>
+  </cs:hiLoLine>
+  <cs:leaderLine>
+    <cs:lnRef idx="0"/>
+    <cs:fillRef idx="0"/>
+    <cs:effectRef idx="0"/>
+    <cs:fontRef idx="minor">
+      <a:schemeClr val="tx1"/>
+    </cs:fontRef>
+    <cs:spPr>
+      <a:ln w="9525" cap="flat" cmpd="sng" algn="ctr">
+        <a:solidFill>
+          <a:schemeClr val="tx1">
+            <a:lumMod val="35000"/>
+            <a:lumOff val="65000"/>
+          </a:schemeClr>
+        </a:solidFill>
+        <a:round/>
+      </a:ln>
+    </cs:spPr>
+  </cs:leaderLine>
+  <cs:legend>
+    <cs:lnRef idx="0"/>
+    <cs:fillRef idx="0"/>
+    <cs:effectRef idx="0"/>
+    <cs:fontRef idx="minor">
+      <a:schemeClr val="tx1">
+        <a:lumMod val="65000"/>
+        <a:lumOff val="35000"/>
+      </a:schemeClr>
+    </cs:fontRef>
+    <cs:defRPr sz="1197" kern="1200"/>
+  </cs:legend>
+  <cs:plotArea mods="allowNoFillOverride allowNoLineOverride">
+    <cs:lnRef idx="0"/>
+    <cs:fillRef idx="0"/>
+    <cs:effectRef idx="0"/>
+    <cs:fontRef idx="minor">
+      <a:schemeClr val="tx1"/>
+    </cs:fontRef>
+  </cs:plotArea>
+  <cs:plotArea3D mods="allowNoFillOverride allowNoLineOverride">
+    <cs:lnRef idx="0"/>
+    <cs:fillRef idx="0"/>
+    <cs:effectRef idx="0"/>
+    <cs:fontRef idx="minor">
+      <a:schemeClr val="tx1"/>
+    </cs:fontRef>
+  </cs:plotArea3D>
+  <cs:seriesAxis>
+    <cs:lnRef idx="0"/>
+    <cs:fillRef idx="0"/>
+    <cs:effectRef idx="0"/>
+    <cs:fontRef idx="minor">
+      <a:schemeClr val="tx1">
+        <a:lumMod val="65000"/>
+        <a:lumOff val="35000"/>
+      </a:schemeClr>
+    </cs:fontRef>
+    <cs:defRPr sz="1197" kern="1200"/>
+  </cs:seriesAxis>
+  <cs:seriesLine>
+    <cs:lnRef idx="0"/>
+    <cs:fillRef idx="0"/>
+    <cs:effectRef idx="0"/>
+    <cs:fontRef idx="minor">
+      <a:schemeClr val="tx1"/>
+    </cs:fontRef>
+    <cs:spPr>
+      <a:ln w="9525" cap="flat" cmpd="sng" algn="ctr">
+        <a:solidFill>
+          <a:schemeClr val="tx1">
+            <a:lumMod val="35000"/>
+            <a:lumOff val="65000"/>
+          </a:schemeClr>
+        </a:solidFill>
+        <a:round/>
+      </a:ln>
+    </cs:spPr>
+  </cs:seriesLine>
+  <cs:title>
+    <cs:lnRef idx="0"/>
+    <cs:fillRef idx="0"/>
+    <cs:effectRef idx="0"/>
+    <cs:fontRef idx="minor">
+      <a:schemeClr val="tx1">
+        <a:lumMod val="65000"/>
+        <a:lumOff val="35000"/>
+      </a:schemeClr>
+    </cs:fontRef>
+    <cs:defRPr sz="1862" b="0" kern="1200" spc="0" baseline="0"/>
+  </cs:title>
+  <cs:trendline>
+    <cs:lnRef idx="0">
+      <cs:styleClr val="auto"/>
+    </cs:lnRef>
+    <cs:fillRef idx="0"/>
+    <cs:effectRef idx="0"/>
+    <cs:fontRef idx="minor">
+      <a:schemeClr val="tx1"/>
+    </cs:fontRef>
+    <cs:spPr>
+      <a:ln w="19050" cap="rnd">
+        <a:solidFill>
+          <a:schemeClr val="phClr"/>
+        </a:solidFill>
+        <a:prstDash val="sysDot"/>
+      </a:ln>
+    </cs:spPr>
+  </cs:trendline>
+  <cs:trendlineLabel>
+    <cs:lnRef idx="0"/>
+    <cs:fillRef idx="0"/>
+    <cs:effectRef idx="0"/>
+    <cs:fontRef idx="minor">
+      <a:schemeClr val="tx1">
+        <a:lumMod val="65000"/>
+        <a:lumOff val="35000"/>
+      </a:schemeClr>
+    </cs:fontRef>
+    <cs:defRPr sz="1197" kern="1200"/>
+  </cs:trendlineLabel>
+  <cs:upBar>
+    <cs:lnRef idx="0"/>
+    <cs:fillRef idx="0"/>
+    <cs:effectRef idx="0"/>
+    <cs:fontRef idx="minor">
+      <a:schemeClr val="tx1"/>
+    </cs:fontRef>
+    <cs:spPr>
+      <a:solidFill>
+        <a:schemeClr val="lt1"/>
+      </a:solidFill>
+      <a:ln w="9525" cap="flat" cmpd="sng" algn="ctr">
+        <a:solidFill>
+          <a:schemeClr val="tx1">
+            <a:lumMod val="65000"/>
+            <a:lumOff val="35000"/>
+          </a:schemeClr>
+        </a:solidFill>
+        <a:round/>
+      </a:ln>
+    </cs:spPr>
+  </cs:upBar>
+  <cs:valueAxis>
+    <cs:lnRef idx="0"/>
+    <cs:fillRef idx="0"/>
+    <cs:effectRef idx="0"/>
+    <cs:fontRef idx="minor">
+      <a:schemeClr val="tx1">
+        <a:lumMod val="65000"/>
+        <a:lumOff val="35000"/>
+      </a:schemeClr>
+    </cs:fontRef>
+    <cs:defRPr sz="1197" kern="1200"/>
+  </cs:valueAxis>
+  <cs:wall>
+    <cs:lnRef idx="0"/>
+    <cs:fillRef idx="0"/>
+    <cs:effectRef idx="0"/>
+    <cs:fontRef idx="minor">
+      <a:schemeClr val="tx1"/>
+    </cs:fontRef>
+    <cs:spPr>
+      <a:noFill/>
+      <a:ln>
+        <a:noFill/>
+      </a:ln>
+    </cs:spPr>
+  </cs:wall>
+</cs:chartStyle>
 </file>
 
 <file path=ppt/slideLayouts/slideLayout1.xml><?xml version="1.0" encoding="utf-8"?>
@@ -3414,8 +4252,8 @@
         </p:nvSpPr>
         <p:spPr>
           <a:xfrm>
-            <a:off x="177553" y="204186"/>
-            <a:ext cx="4341181" cy="1200329"/>
+            <a:off x="212686" y="98933"/>
+            <a:ext cx="5079792" cy="1200329"/>
           </a:xfrm>
           <a:prstGeom prst="rect">
             <a:avLst/>
@@ -3429,7 +4267,10 @@
           <a:lstStyle/>
           <a:p>
             <a:r>
-              <a:rPr lang="fr-FR" dirty="0"/>
+              <a:rPr lang="fr-FR" dirty="0">
+                <a:latin typeface="Arial" panose="020B0604020202020204" pitchFamily="34" charset="0"/>
+                <a:cs typeface="Arial" panose="020B0604020202020204" pitchFamily="34" charset="0"/>
+              </a:rPr>
               <a:t>TEMIRBOULATOV KOUREICH p1707160</a:t>
             </a:r>
           </a:p>
@@ -3477,8 +4318,8 @@
         </p:nvSpPr>
         <p:spPr>
           <a:xfrm>
-            <a:off x="177553" y="6284482"/>
-            <a:ext cx="4740676" cy="369332"/>
+            <a:off x="177552" y="6284482"/>
+            <a:ext cx="8904303" cy="538609"/>
           </a:xfrm>
           <a:prstGeom prst="rect">
             <a:avLst/>
@@ -3493,8 +4334,23 @@
           <a:p>
             <a:r>
               <a:rPr lang="fr-FR" dirty="0"/>
-              <a:t>UCBL LIFAP4 – Printemps 2022</a:t>
-            </a:r>
+              <a:t>UCBL LIFAP4 – Printemps 2022 </a:t>
+            </a:r>
+          </a:p>
+          <a:p>
+            <a:r>
+              <a:rPr lang="fr-FR" sz="1100" dirty="0">
+                <a:solidFill>
+                  <a:schemeClr val="accent1"/>
+                </a:solidFill>
+              </a:rPr>
+              <a:t>https://perso.liris.cnrs.fr/alexandre.meyer/public_html/www/doku.php?id=lifap4</a:t>
+            </a:r>
+            <a:endParaRPr lang="fr-FR" dirty="0">
+              <a:solidFill>
+                <a:schemeClr val="accent1"/>
+              </a:solidFill>
+            </a:endParaRPr>
           </a:p>
         </p:txBody>
       </p:sp>
@@ -3763,10 +4619,279 @@
           </a:p>
         </p:txBody>
       </p:sp>
+      <p:sp>
+        <p:nvSpPr>
+          <p:cNvPr id="6" name="ZoneTexte 5">
+            <a:extLst>
+              <a:ext uri="{FF2B5EF4-FFF2-40B4-BE49-F238E27FC236}">
+                <a16:creationId xmlns:a16="http://schemas.microsoft.com/office/drawing/2014/main" id="{054A9D1E-D334-44F6-A4EA-5AC401DA737A}"/>
+              </a:ext>
+            </a:extLst>
+          </p:cNvPr>
+          <p:cNvSpPr txBox="1"/>
+          <p:nvPr/>
+        </p:nvSpPr>
+        <p:spPr>
+          <a:xfrm>
+            <a:off x="177553" y="1123950"/>
+            <a:ext cx="3756272" cy="261610"/>
+          </a:xfrm>
+          <a:prstGeom prst="rect">
+            <a:avLst/>
+          </a:prstGeom>
+          <a:noFill/>
+        </p:spPr>
+        <p:txBody>
+          <a:bodyPr wrap="square" rtlCol="0">
+            <a:spAutoFit/>
+          </a:bodyPr>
+          <a:lstStyle/>
+          <a:p>
+            <a:r>
+              <a:rPr lang="fr-FR" sz="1100" dirty="0">
+                <a:solidFill>
+                  <a:schemeClr val="accent1"/>
+                </a:solidFill>
+              </a:rPr>
+              <a:t>https://forge.univ-lyon1.fr/p1707160/projet-lifap4</a:t>
+            </a:r>
+          </a:p>
+        </p:txBody>
+      </p:sp>
     </p:spTree>
     <p:extLst>
       <p:ext uri="{BB962C8B-B14F-4D97-AF65-F5344CB8AC3E}">
         <p14:creationId xmlns:p14="http://schemas.microsoft.com/office/powerpoint/2010/main" val="1495186627"/>
+      </p:ext>
+    </p:extLst>
+  </p:cSld>
+  <p:clrMapOvr>
+    <a:masterClrMapping/>
+  </p:clrMapOvr>
+</p:sld>
+</file>
+
+<file path=ppt/slides/slide10.xml><?xml version="1.0" encoding="utf-8"?>
+<p:sld xmlns:a="http://schemas.openxmlformats.org/drawingml/2006/main" xmlns:r="http://schemas.openxmlformats.org/officeDocument/2006/relationships" xmlns:p="http://schemas.openxmlformats.org/presentationml/2006/main">
+  <p:cSld>
+    <p:spTree>
+      <p:nvGrpSpPr>
+        <p:cNvPr id="1" name=""/>
+        <p:cNvGrpSpPr/>
+        <p:nvPr/>
+      </p:nvGrpSpPr>
+      <p:grpSpPr>
+        <a:xfrm>
+          <a:off x="0" y="0"/>
+          <a:ext cx="0" cy="0"/>
+          <a:chOff x="0" y="0"/>
+          <a:chExt cx="0" cy="0"/>
+        </a:xfrm>
+      </p:grpSpPr>
+      <p:sp>
+        <p:nvSpPr>
+          <p:cNvPr id="5" name="ZoneTexte 4">
+            <a:extLst>
+              <a:ext uri="{FF2B5EF4-FFF2-40B4-BE49-F238E27FC236}">
+                <a16:creationId xmlns:a16="http://schemas.microsoft.com/office/drawing/2014/main" id="{3E3E7AF7-791D-442A-9A1B-97CCD4D76B1D}"/>
+              </a:ext>
+            </a:extLst>
+          </p:cNvPr>
+          <p:cNvSpPr txBox="1"/>
+          <p:nvPr/>
+        </p:nvSpPr>
+        <p:spPr>
+          <a:xfrm>
+            <a:off x="177553" y="6284482"/>
+            <a:ext cx="4740676" cy="369332"/>
+          </a:xfrm>
+          <a:prstGeom prst="rect">
+            <a:avLst/>
+          </a:prstGeom>
+          <a:noFill/>
+        </p:spPr>
+        <p:txBody>
+          <a:bodyPr wrap="square" rtlCol="0">
+            <a:spAutoFit/>
+          </a:bodyPr>
+          <a:lstStyle/>
+          <a:p>
+            <a:r>
+              <a:rPr lang="fr-FR" dirty="0"/>
+              <a:t>UCBL LIFAP4 – Printemps 2022</a:t>
+            </a:r>
+          </a:p>
+        </p:txBody>
+      </p:sp>
+      <p:pic>
+        <p:nvPicPr>
+          <p:cNvPr id="7" name="Image 6">
+            <a:extLst>
+              <a:ext uri="{FF2B5EF4-FFF2-40B4-BE49-F238E27FC236}">
+                <a16:creationId xmlns:a16="http://schemas.microsoft.com/office/drawing/2014/main" id="{A9FE46FB-174F-48ED-8042-FA4BEFE725F4}"/>
+              </a:ext>
+            </a:extLst>
+          </p:cNvPr>
+          <p:cNvPicPr>
+            <a:picLocks noChangeAspect="1"/>
+          </p:cNvPicPr>
+          <p:nvPr/>
+        </p:nvPicPr>
+        <p:blipFill>
+          <a:blip r:embed="rId2">
+            <a:extLst>
+              <a:ext uri="{28A0092B-C50C-407E-A947-70E740481C1C}">
+                <a14:useLocalDpi xmlns:a14="http://schemas.microsoft.com/office/drawing/2010/main" val="0"/>
+              </a:ext>
+            </a:extLst>
+          </a:blip>
+          <a:stretch>
+            <a:fillRect/>
+          </a:stretch>
+        </p:blipFill>
+        <p:spPr>
+          <a:xfrm>
+            <a:off x="9081856" y="6030962"/>
+            <a:ext cx="2932591" cy="622852"/>
+          </a:xfrm>
+          <a:prstGeom prst="rect">
+            <a:avLst/>
+          </a:prstGeom>
+        </p:spPr>
+      </p:pic>
+      <p:sp>
+        <p:nvSpPr>
+          <p:cNvPr id="4" name="ZoneTexte 3">
+            <a:extLst>
+              <a:ext uri="{FF2B5EF4-FFF2-40B4-BE49-F238E27FC236}">
+                <a16:creationId xmlns:a16="http://schemas.microsoft.com/office/drawing/2014/main" id="{94887722-1A9D-463C-8F35-86C83965D2C2}"/>
+              </a:ext>
+            </a:extLst>
+          </p:cNvPr>
+          <p:cNvSpPr txBox="1"/>
+          <p:nvPr/>
+        </p:nvSpPr>
+        <p:spPr>
+          <a:xfrm>
+            <a:off x="506027" y="204186"/>
+            <a:ext cx="11114843" cy="461665"/>
+          </a:xfrm>
+          <a:prstGeom prst="rect">
+            <a:avLst/>
+          </a:prstGeom>
+          <a:noFill/>
+        </p:spPr>
+        <p:txBody>
+          <a:bodyPr wrap="square" rtlCol="0">
+            <a:spAutoFit/>
+          </a:bodyPr>
+          <a:lstStyle/>
+          <a:p>
+            <a:r>
+              <a:rPr lang="fr-FR" dirty="0"/>
+              <a:t>					     </a:t>
+            </a:r>
+            <a:r>
+              <a:rPr lang="fr-FR" sz="2400" dirty="0"/>
+              <a:t>Conclusion</a:t>
+            </a:r>
+            <a:endParaRPr lang="fr-FR" dirty="0"/>
+          </a:p>
+        </p:txBody>
+      </p:sp>
+      <p:sp>
+        <p:nvSpPr>
+          <p:cNvPr id="6" name="ZoneTexte 5">
+            <a:extLst>
+              <a:ext uri="{FF2B5EF4-FFF2-40B4-BE49-F238E27FC236}">
+                <a16:creationId xmlns:a16="http://schemas.microsoft.com/office/drawing/2014/main" id="{663A8113-8931-4825-81D1-D4B197D00819}"/>
+              </a:ext>
+            </a:extLst>
+          </p:cNvPr>
+          <p:cNvSpPr txBox="1"/>
+          <p:nvPr/>
+        </p:nvSpPr>
+        <p:spPr>
+          <a:xfrm>
+            <a:off x="506027" y="4541280"/>
+            <a:ext cx="9914323" cy="1200329"/>
+          </a:xfrm>
+          <a:prstGeom prst="rect">
+            <a:avLst/>
+          </a:prstGeom>
+          <a:noFill/>
+        </p:spPr>
+        <p:txBody>
+          <a:bodyPr wrap="square" rtlCol="0">
+            <a:spAutoFit/>
+          </a:bodyPr>
+          <a:lstStyle/>
+          <a:p>
+            <a:r>
+              <a:rPr lang="fr-FR" dirty="0"/>
+              <a:t>-Tous les objectifs fixés au départ non pas étaient atteints</a:t>
+            </a:r>
+          </a:p>
+          <a:p>
+            <a:r>
+              <a:rPr lang="fr-FR" dirty="0"/>
+              <a:t>-Un temps pour le design a été consacré pour fournir une version plus agréable visuellement </a:t>
+            </a:r>
+          </a:p>
+          <a:p>
+            <a:r>
+              <a:rPr lang="fr-FR" dirty="0"/>
+              <a:t>-Plus de temps pour le développement nous aurait certainement permis d’aboutir le projet à 100%</a:t>
+            </a:r>
+          </a:p>
+          <a:p>
+            <a:r>
+              <a:rPr lang="fr-FR" dirty="0"/>
+              <a:t>-Beaucoup trop de temps consacré au </a:t>
+            </a:r>
+            <a:r>
+              <a:rPr lang="fr-FR" dirty="0" err="1"/>
+              <a:t>debug</a:t>
+            </a:r>
+            <a:r>
+              <a:rPr lang="fr-FR" dirty="0"/>
+              <a:t> …</a:t>
+            </a:r>
+          </a:p>
+        </p:txBody>
+      </p:sp>
+      <p:graphicFrame>
+        <p:nvGraphicFramePr>
+          <p:cNvPr id="15" name="Graphique 14">
+            <a:extLst>
+              <a:ext uri="{FF2B5EF4-FFF2-40B4-BE49-F238E27FC236}">
+                <a16:creationId xmlns:a16="http://schemas.microsoft.com/office/drawing/2014/main" id="{2FF89833-7768-4819-8735-FB44184EA167}"/>
+              </a:ext>
+            </a:extLst>
+          </p:cNvPr>
+          <p:cNvGraphicFramePr/>
+          <p:nvPr>
+            <p:extLst>
+              <p:ext uri="{D42A27DB-BD31-4B8C-83A1-F6EECF244321}">
+                <p14:modId xmlns:p14="http://schemas.microsoft.com/office/powerpoint/2010/main" val="1260571418"/>
+              </p:ext>
+            </p:extLst>
+          </p:nvPr>
+        </p:nvGraphicFramePr>
+        <p:xfrm>
+          <a:off x="3133725" y="1001249"/>
+          <a:ext cx="4159249" cy="3204633"/>
+        </p:xfrm>
+        <a:graphic>
+          <a:graphicData uri="http://schemas.openxmlformats.org/drawingml/2006/chart">
+            <c:chart xmlns:c="http://schemas.openxmlformats.org/drawingml/2006/chart" xmlns:r="http://schemas.openxmlformats.org/officeDocument/2006/relationships" r:id="rId3"/>
+          </a:graphicData>
+        </a:graphic>
+      </p:graphicFrame>
+    </p:spTree>
+    <p:extLst>
+      <p:ext uri="{BB962C8B-B14F-4D97-AF65-F5344CB8AC3E}">
+        <p14:creationId xmlns:p14="http://schemas.microsoft.com/office/powerpoint/2010/main" val="2090867757"/>
       </p:ext>
     </p:extLst>
   </p:cSld>
@@ -4021,7 +5146,7 @@
         <p:spPr>
           <a:xfrm>
             <a:off x="2014537" y="204186"/>
-            <a:ext cx="8162925" cy="830997"/>
+            <a:ext cx="9596438" cy="830997"/>
           </a:xfrm>
           <a:prstGeom prst="rect">
             <a:avLst/>
@@ -4036,11 +5161,19 @@
           <a:p>
             <a:r>
               <a:rPr lang="fr-FR" sz="2400" dirty="0"/>
-              <a:t>Présentation en détails des classes Jeu , Personnage et </a:t>
+              <a:t>Présentation en détails des classes Jeu , Personnage, </a:t>
             </a:r>
             <a:r>
               <a:rPr lang="fr-FR" sz="2400" dirty="0" err="1"/>
               <a:t>SdlJeu</a:t>
+            </a:r>
+            <a:r>
+              <a:rPr lang="fr-FR" sz="2400" dirty="0"/>
+              <a:t> et </a:t>
+            </a:r>
+            <a:r>
+              <a:rPr lang="fr-FR" sz="2400" dirty="0" err="1"/>
+              <a:t>txtJeu</a:t>
             </a:r>
             <a:endParaRPr lang="fr-FR" sz="2400" dirty="0"/>
           </a:p>
@@ -4488,7 +5621,7 @@
         <p:spPr>
           <a:xfrm>
             <a:off x="2014537" y="204186"/>
-            <a:ext cx="8162925" cy="830997"/>
+            <a:ext cx="9053513" cy="830997"/>
           </a:xfrm>
           <a:prstGeom prst="rect">
             <a:avLst/>
@@ -4503,11 +5636,19 @@
           <a:p>
             <a:r>
               <a:rPr lang="fr-FR" sz="2400" dirty="0"/>
-              <a:t>Présentation en détails des classes Jeu , Personnage et </a:t>
+              <a:t>Présentation en détails des classes Jeu , </a:t>
             </a:r>
             <a:r>
               <a:rPr lang="fr-FR" sz="2400" dirty="0" err="1"/>
-              <a:t>SdlJeu</a:t>
+              <a:t>Personnage,SdlJeu</a:t>
+            </a:r>
+            <a:r>
+              <a:rPr lang="fr-FR" sz="2400" dirty="0"/>
+              <a:t> et </a:t>
+            </a:r>
+            <a:r>
+              <a:rPr lang="fr-FR" sz="2400" dirty="0" err="1"/>
+              <a:t>txtJeu</a:t>
             </a:r>
             <a:endParaRPr lang="fr-FR" sz="2400" dirty="0"/>
           </a:p>
@@ -4869,7 +6010,7 @@
         <p:spPr>
           <a:xfrm>
             <a:off x="2014537" y="204186"/>
-            <a:ext cx="8162925" cy="830997"/>
+            <a:ext cx="9577388" cy="830997"/>
           </a:xfrm>
           <a:prstGeom prst="rect">
             <a:avLst/>
@@ -4884,13 +6025,24 @@
           <a:p>
             <a:r>
               <a:rPr lang="fr-FR" sz="2400" dirty="0"/>
-              <a:t>Présentation en détails des classes Jeu , Personnage et </a:t>
+              <a:t>Présentation en détails des classes Jeu , </a:t>
             </a:r>
             <a:r>
               <a:rPr lang="fr-FR" sz="2400" dirty="0" err="1"/>
-              <a:t>SdlJeu</a:t>
-            </a:r>
-            <a:endParaRPr lang="fr-FR" sz="2400" dirty="0"/>
+              <a:t>Personnage,SdlJeu</a:t>
+            </a:r>
+            <a:r>
+              <a:rPr lang="fr-FR" sz="2400" dirty="0"/>
+              <a:t> et </a:t>
+            </a:r>
+            <a:r>
+              <a:rPr lang="fr-FR" sz="2400" dirty="0" err="1"/>
+              <a:t>txtJeu</a:t>
+            </a:r>
+            <a:r>
+              <a:rPr lang="fr-FR" sz="2400" dirty="0"/>
+              <a:t>   </a:t>
+            </a:r>
           </a:p>
           <a:p>
             <a:r>
@@ -4947,13 +6099,273 @@
             </a:r>
             <a:r>
               <a:rPr lang="fr-FR" dirty="0"/>
-              <a:t> est la classe qui gère l’interface graphique , elle initialise la SDL/SDL2 et permet de jouer des audios selon les niveaux et les déplacements </a:t>
-            </a:r>
-            <a:r>
-              <a:rPr lang="fr-FR"/>
-              <a:t>de personnage.</a:t>
-            </a:r>
-            <a:endParaRPr lang="fr-FR" dirty="0"/>
+              <a:t> est la classe qui gère l’interface graphique , elle initialise la SDL/SDL2 et permet de jouer des audios selon les niveaux et les déplacements du personnage.</a:t>
+            </a:r>
+          </a:p>
+        </p:txBody>
+      </p:sp>
+      <p:pic>
+        <p:nvPicPr>
+          <p:cNvPr id="6" name="Image 5">
+            <a:extLst>
+              <a:ext uri="{FF2B5EF4-FFF2-40B4-BE49-F238E27FC236}">
+                <a16:creationId xmlns:a16="http://schemas.microsoft.com/office/drawing/2014/main" id="{3730B484-3C5D-4BB4-B55D-00CEA254A452}"/>
+              </a:ext>
+            </a:extLst>
+          </p:cNvPr>
+          <p:cNvPicPr>
+            <a:picLocks noChangeAspect="1"/>
+          </p:cNvPicPr>
+          <p:nvPr/>
+        </p:nvPicPr>
+        <p:blipFill>
+          <a:blip r:embed="rId3"/>
+          <a:stretch>
+            <a:fillRect/>
+          </a:stretch>
+        </p:blipFill>
+        <p:spPr>
+          <a:xfrm>
+            <a:off x="331192" y="2199013"/>
+            <a:ext cx="2025796" cy="4143375"/>
+          </a:xfrm>
+          <a:prstGeom prst="rect">
+            <a:avLst/>
+          </a:prstGeom>
+        </p:spPr>
+      </p:pic>
+      <p:pic>
+        <p:nvPicPr>
+          <p:cNvPr id="9" name="Image 8">
+            <a:extLst>
+              <a:ext uri="{FF2B5EF4-FFF2-40B4-BE49-F238E27FC236}">
+                <a16:creationId xmlns:a16="http://schemas.microsoft.com/office/drawing/2014/main" id="{881F368C-8D1B-4EF1-B581-B1DEEA63C8A6}"/>
+              </a:ext>
+            </a:extLst>
+          </p:cNvPr>
+          <p:cNvPicPr>
+            <a:picLocks noChangeAspect="1"/>
+          </p:cNvPicPr>
+          <p:nvPr/>
+        </p:nvPicPr>
+        <p:blipFill>
+          <a:blip r:embed="rId4"/>
+          <a:stretch>
+            <a:fillRect/>
+          </a:stretch>
+        </p:blipFill>
+        <p:spPr>
+          <a:xfrm>
+            <a:off x="2967763" y="2329934"/>
+            <a:ext cx="2299561" cy="3954548"/>
+          </a:xfrm>
+          <a:prstGeom prst="rect">
+            <a:avLst/>
+          </a:prstGeom>
+        </p:spPr>
+      </p:pic>
+      <p:pic>
+        <p:nvPicPr>
+          <p:cNvPr id="11" name="Image 10">
+            <a:extLst>
+              <a:ext uri="{FF2B5EF4-FFF2-40B4-BE49-F238E27FC236}">
+                <a16:creationId xmlns:a16="http://schemas.microsoft.com/office/drawing/2014/main" id="{BD10213D-6D97-47BF-90D9-78ECBE2B0FC4}"/>
+              </a:ext>
+            </a:extLst>
+          </p:cNvPr>
+          <p:cNvPicPr>
+            <a:picLocks noChangeAspect="1"/>
+          </p:cNvPicPr>
+          <p:nvPr/>
+        </p:nvPicPr>
+        <p:blipFill>
+          <a:blip r:embed="rId5"/>
+          <a:stretch>
+            <a:fillRect/>
+          </a:stretch>
+        </p:blipFill>
+        <p:spPr>
+          <a:xfrm>
+            <a:off x="5526764" y="2329934"/>
+            <a:ext cx="2200275" cy="2381250"/>
+          </a:xfrm>
+          <a:prstGeom prst="rect">
+            <a:avLst/>
+          </a:prstGeom>
+        </p:spPr>
+      </p:pic>
+      <p:pic>
+        <p:nvPicPr>
+          <p:cNvPr id="13" name="Image 12">
+            <a:extLst>
+              <a:ext uri="{FF2B5EF4-FFF2-40B4-BE49-F238E27FC236}">
+                <a16:creationId xmlns:a16="http://schemas.microsoft.com/office/drawing/2014/main" id="{E9A435C7-F869-457F-B772-72B91F367DB2}"/>
+              </a:ext>
+            </a:extLst>
+          </p:cNvPr>
+          <p:cNvPicPr>
+            <a:picLocks noChangeAspect="1"/>
+          </p:cNvPicPr>
+          <p:nvPr/>
+        </p:nvPicPr>
+        <p:blipFill>
+          <a:blip r:embed="rId6"/>
+          <a:stretch>
+            <a:fillRect/>
+          </a:stretch>
+        </p:blipFill>
+        <p:spPr>
+          <a:xfrm>
+            <a:off x="7986479" y="2026563"/>
+            <a:ext cx="3605446" cy="3927254"/>
+          </a:xfrm>
+          <a:prstGeom prst="rect">
+            <a:avLst/>
+          </a:prstGeom>
+        </p:spPr>
+      </p:pic>
+      <p:sp>
+        <p:nvSpPr>
+          <p:cNvPr id="15" name="ZoneTexte 14">
+            <a:extLst>
+              <a:ext uri="{FF2B5EF4-FFF2-40B4-BE49-F238E27FC236}">
+                <a16:creationId xmlns:a16="http://schemas.microsoft.com/office/drawing/2014/main" id="{870901EA-6295-49A1-9ACE-E6E975D6FB4F}"/>
+              </a:ext>
+            </a:extLst>
+          </p:cNvPr>
+          <p:cNvSpPr txBox="1"/>
+          <p:nvPr/>
+        </p:nvSpPr>
+        <p:spPr>
+          <a:xfrm>
+            <a:off x="0" y="1734002"/>
+            <a:ext cx="2967763" cy="461665"/>
+          </a:xfrm>
+          <a:prstGeom prst="rect">
+            <a:avLst/>
+          </a:prstGeom>
+          <a:noFill/>
+        </p:spPr>
+        <p:txBody>
+          <a:bodyPr wrap="square" rtlCol="0">
+            <a:spAutoFit/>
+          </a:bodyPr>
+          <a:lstStyle/>
+          <a:p>
+            <a:r>
+              <a:rPr lang="fr-FR" sz="1200" dirty="0"/>
+              <a:t>0.Appels des bibliothèques SDL et classes nécessaires </a:t>
+            </a:r>
+          </a:p>
+        </p:txBody>
+      </p:sp>
+      <p:sp>
+        <p:nvSpPr>
+          <p:cNvPr id="16" name="ZoneTexte 15">
+            <a:extLst>
+              <a:ext uri="{FF2B5EF4-FFF2-40B4-BE49-F238E27FC236}">
+                <a16:creationId xmlns:a16="http://schemas.microsoft.com/office/drawing/2014/main" id="{EDE2C30C-BCE5-48E5-A12A-5B0C0FE27DFE}"/>
+              </a:ext>
+            </a:extLst>
+          </p:cNvPr>
+          <p:cNvSpPr txBox="1"/>
+          <p:nvPr/>
+        </p:nvSpPr>
+        <p:spPr>
+          <a:xfrm>
+            <a:off x="2793251" y="1876137"/>
+            <a:ext cx="2399008" cy="461665"/>
+          </a:xfrm>
+          <a:prstGeom prst="rect">
+            <a:avLst/>
+          </a:prstGeom>
+          <a:noFill/>
+        </p:spPr>
+        <p:txBody>
+          <a:bodyPr wrap="square" rtlCol="0">
+            <a:spAutoFit/>
+          </a:bodyPr>
+          <a:lstStyle/>
+          <a:p>
+            <a:r>
+              <a:rPr lang="fr-FR" sz="1200" dirty="0"/>
+              <a:t>1.Pour pouvoir gérer les sons et la musique </a:t>
+            </a:r>
+          </a:p>
+        </p:txBody>
+      </p:sp>
+      <p:sp>
+        <p:nvSpPr>
+          <p:cNvPr id="17" name="ZoneTexte 16">
+            <a:extLst>
+              <a:ext uri="{FF2B5EF4-FFF2-40B4-BE49-F238E27FC236}">
+                <a16:creationId xmlns:a16="http://schemas.microsoft.com/office/drawing/2014/main" id="{BB5A4FAB-2185-480B-83D2-BB2C3FD66DCF}"/>
+              </a:ext>
+            </a:extLst>
+          </p:cNvPr>
+          <p:cNvSpPr txBox="1"/>
+          <p:nvPr/>
+        </p:nvSpPr>
+        <p:spPr>
+          <a:xfrm>
+            <a:off x="5451699" y="1968469"/>
+            <a:ext cx="2237173" cy="276999"/>
+          </a:xfrm>
+          <a:prstGeom prst="rect">
+            <a:avLst/>
+          </a:prstGeom>
+          <a:noFill/>
+        </p:spPr>
+        <p:txBody>
+          <a:bodyPr wrap="square" rtlCol="0">
+            <a:spAutoFit/>
+          </a:bodyPr>
+          <a:lstStyle/>
+          <a:p>
+            <a:r>
+              <a:rPr lang="fr-FR" sz="1200" dirty="0"/>
+              <a:t>2.Fonctions principales</a:t>
+            </a:r>
+          </a:p>
+        </p:txBody>
+      </p:sp>
+      <p:sp>
+        <p:nvSpPr>
+          <p:cNvPr id="18" name="ZoneTexte 17">
+            <a:extLst>
+              <a:ext uri="{FF2B5EF4-FFF2-40B4-BE49-F238E27FC236}">
+                <a16:creationId xmlns:a16="http://schemas.microsoft.com/office/drawing/2014/main" id="{048012A1-16FD-47BC-B590-5F4F5AB7A0AA}"/>
+              </a:ext>
+            </a:extLst>
+          </p:cNvPr>
+          <p:cNvSpPr txBox="1"/>
+          <p:nvPr/>
+        </p:nvSpPr>
+        <p:spPr>
+          <a:xfrm>
+            <a:off x="7986479" y="1635526"/>
+            <a:ext cx="4027968" cy="276999"/>
+          </a:xfrm>
+          <a:prstGeom prst="rect">
+            <a:avLst/>
+          </a:prstGeom>
+          <a:noFill/>
+        </p:spPr>
+        <p:txBody>
+          <a:bodyPr wrap="square" rtlCol="0">
+            <a:spAutoFit/>
+          </a:bodyPr>
+          <a:lstStyle/>
+          <a:p>
+            <a:r>
+              <a:rPr lang="fr-FR" sz="1200" dirty="0"/>
+              <a:t>3.Gestion des sons et musiques selon les </a:t>
+            </a:r>
+            <a:r>
+              <a:rPr lang="fr-FR" sz="1200" dirty="0" err="1"/>
+              <a:t>actionsclavier</a:t>
+            </a:r>
+            <a:endParaRPr lang="fr-FR" sz="1200" dirty="0"/>
           </a:p>
         </p:txBody>
       </p:sp>
@@ -4961,6 +6373,1695 @@
     <p:extLst>
       <p:ext uri="{BB962C8B-B14F-4D97-AF65-F5344CB8AC3E}">
         <p14:creationId xmlns:p14="http://schemas.microsoft.com/office/powerpoint/2010/main" val="74941820"/>
+      </p:ext>
+    </p:extLst>
+  </p:cSld>
+  <p:clrMapOvr>
+    <a:masterClrMapping/>
+  </p:clrMapOvr>
+</p:sld>
+</file>
+
+<file path=ppt/slides/slide6.xml><?xml version="1.0" encoding="utf-8"?>
+<p:sld xmlns:a="http://schemas.openxmlformats.org/drawingml/2006/main" xmlns:r="http://schemas.openxmlformats.org/officeDocument/2006/relationships" xmlns:p="http://schemas.openxmlformats.org/presentationml/2006/main">
+  <p:cSld>
+    <p:spTree>
+      <p:nvGrpSpPr>
+        <p:cNvPr id="1" name=""/>
+        <p:cNvGrpSpPr/>
+        <p:nvPr/>
+      </p:nvGrpSpPr>
+      <p:grpSpPr>
+        <a:xfrm>
+          <a:off x="0" y="0"/>
+          <a:ext cx="0" cy="0"/>
+          <a:chOff x="0" y="0"/>
+          <a:chExt cx="0" cy="0"/>
+        </a:xfrm>
+      </p:grpSpPr>
+      <p:sp>
+        <p:nvSpPr>
+          <p:cNvPr id="5" name="ZoneTexte 4">
+            <a:extLst>
+              <a:ext uri="{FF2B5EF4-FFF2-40B4-BE49-F238E27FC236}">
+                <a16:creationId xmlns:a16="http://schemas.microsoft.com/office/drawing/2014/main" id="{3E3E7AF7-791D-442A-9A1B-97CCD4D76B1D}"/>
+              </a:ext>
+            </a:extLst>
+          </p:cNvPr>
+          <p:cNvSpPr txBox="1"/>
+          <p:nvPr/>
+        </p:nvSpPr>
+        <p:spPr>
+          <a:xfrm>
+            <a:off x="177553" y="6284482"/>
+            <a:ext cx="4740676" cy="369332"/>
+          </a:xfrm>
+          <a:prstGeom prst="rect">
+            <a:avLst/>
+          </a:prstGeom>
+          <a:noFill/>
+        </p:spPr>
+        <p:txBody>
+          <a:bodyPr wrap="square" rtlCol="0">
+            <a:spAutoFit/>
+          </a:bodyPr>
+          <a:lstStyle/>
+          <a:p>
+            <a:r>
+              <a:rPr lang="fr-FR" dirty="0"/>
+              <a:t>UCBL LIFAP4 – Printemps 2022</a:t>
+            </a:r>
+          </a:p>
+        </p:txBody>
+      </p:sp>
+      <p:pic>
+        <p:nvPicPr>
+          <p:cNvPr id="7" name="Image 6">
+            <a:extLst>
+              <a:ext uri="{FF2B5EF4-FFF2-40B4-BE49-F238E27FC236}">
+                <a16:creationId xmlns:a16="http://schemas.microsoft.com/office/drawing/2014/main" id="{A9FE46FB-174F-48ED-8042-FA4BEFE725F4}"/>
+              </a:ext>
+            </a:extLst>
+          </p:cNvPr>
+          <p:cNvPicPr>
+            <a:picLocks noChangeAspect="1"/>
+          </p:cNvPicPr>
+          <p:nvPr/>
+        </p:nvPicPr>
+        <p:blipFill>
+          <a:blip r:embed="rId2">
+            <a:extLst>
+              <a:ext uri="{28A0092B-C50C-407E-A947-70E740481C1C}">
+                <a14:useLocalDpi xmlns:a14="http://schemas.microsoft.com/office/drawing/2010/main" val="0"/>
+              </a:ext>
+            </a:extLst>
+          </a:blip>
+          <a:stretch>
+            <a:fillRect/>
+          </a:stretch>
+        </p:blipFill>
+        <p:spPr>
+          <a:xfrm>
+            <a:off x="9081856" y="6030962"/>
+            <a:ext cx="2932591" cy="622852"/>
+          </a:xfrm>
+          <a:prstGeom prst="rect">
+            <a:avLst/>
+          </a:prstGeom>
+        </p:spPr>
+      </p:pic>
+      <p:sp>
+        <p:nvSpPr>
+          <p:cNvPr id="2" name="ZoneTexte 1">
+            <a:extLst>
+              <a:ext uri="{FF2B5EF4-FFF2-40B4-BE49-F238E27FC236}">
+                <a16:creationId xmlns:a16="http://schemas.microsoft.com/office/drawing/2014/main" id="{764B5710-7DB5-4973-9316-A2BFBA0C9581}"/>
+              </a:ext>
+            </a:extLst>
+          </p:cNvPr>
+          <p:cNvSpPr txBox="1"/>
+          <p:nvPr/>
+        </p:nvSpPr>
+        <p:spPr>
+          <a:xfrm>
+            <a:off x="2014537" y="204186"/>
+            <a:ext cx="9577388" cy="830997"/>
+          </a:xfrm>
+          <a:prstGeom prst="rect">
+            <a:avLst/>
+          </a:prstGeom>
+          <a:noFill/>
+        </p:spPr>
+        <p:txBody>
+          <a:bodyPr wrap="square" rtlCol="0">
+            <a:spAutoFit/>
+          </a:bodyPr>
+          <a:lstStyle/>
+          <a:p>
+            <a:r>
+              <a:rPr lang="fr-FR" sz="2400" dirty="0"/>
+              <a:t>Présentation en détails des classes Jeu , </a:t>
+            </a:r>
+            <a:r>
+              <a:rPr lang="fr-FR" sz="2400" dirty="0" err="1"/>
+              <a:t>Personnage,SdlJeu</a:t>
+            </a:r>
+            <a:r>
+              <a:rPr lang="fr-FR" sz="2400" dirty="0"/>
+              <a:t> et </a:t>
+            </a:r>
+            <a:r>
+              <a:rPr lang="fr-FR" sz="2400" dirty="0" err="1"/>
+              <a:t>txtJeu</a:t>
+            </a:r>
+            <a:r>
+              <a:rPr lang="fr-FR" sz="2400" dirty="0"/>
+              <a:t>   </a:t>
+            </a:r>
+          </a:p>
+          <a:p>
+            <a:r>
+              <a:rPr lang="fr-FR" sz="2400" dirty="0"/>
+              <a:t>			</a:t>
+            </a:r>
+            <a:r>
+              <a:rPr lang="fr-FR" sz="2400" u="sng" dirty="0"/>
+              <a:t>Classe </a:t>
+            </a:r>
+            <a:r>
+              <a:rPr lang="fr-FR" sz="2400" u="sng" dirty="0" err="1"/>
+              <a:t>txtJeu</a:t>
+            </a:r>
+            <a:endParaRPr lang="fr-FR" sz="2400" u="sng" dirty="0"/>
+          </a:p>
+        </p:txBody>
+      </p:sp>
+      <p:sp>
+        <p:nvSpPr>
+          <p:cNvPr id="3" name="ZoneTexte 2">
+            <a:extLst>
+              <a:ext uri="{FF2B5EF4-FFF2-40B4-BE49-F238E27FC236}">
+                <a16:creationId xmlns:a16="http://schemas.microsoft.com/office/drawing/2014/main" id="{DEF1BAAC-E47C-42A9-A5B3-020A0904209A}"/>
+              </a:ext>
+            </a:extLst>
+          </p:cNvPr>
+          <p:cNvSpPr txBox="1"/>
+          <p:nvPr/>
+        </p:nvSpPr>
+        <p:spPr>
+          <a:xfrm>
+            <a:off x="177553" y="1038835"/>
+            <a:ext cx="11836894" cy="646331"/>
+          </a:xfrm>
+          <a:prstGeom prst="rect">
+            <a:avLst/>
+          </a:prstGeom>
+          <a:noFill/>
+        </p:spPr>
+        <p:txBody>
+          <a:bodyPr wrap="square" rtlCol="0">
+            <a:spAutoFit/>
+          </a:bodyPr>
+          <a:lstStyle/>
+          <a:p>
+            <a:r>
+              <a:rPr lang="fr-FR" dirty="0"/>
+              <a:t>La classe </a:t>
+            </a:r>
+            <a:r>
+              <a:rPr lang="fr-FR" dirty="0" err="1"/>
+              <a:t>txtJeu</a:t>
+            </a:r>
+            <a:r>
+              <a:rPr lang="fr-FR" dirty="0"/>
+              <a:t> est la classe qui gère l’interface textuelle. L’affichage des informations (le USER INTERFACE) et les déplacements des éléments du jeu</a:t>
+            </a:r>
+          </a:p>
+        </p:txBody>
+      </p:sp>
+      <p:pic>
+        <p:nvPicPr>
+          <p:cNvPr id="6" name="Image 5">
+            <a:extLst>
+              <a:ext uri="{FF2B5EF4-FFF2-40B4-BE49-F238E27FC236}">
+                <a16:creationId xmlns:a16="http://schemas.microsoft.com/office/drawing/2014/main" id="{BBB75AD8-BB18-42D0-9DC2-724446C5387B}"/>
+              </a:ext>
+            </a:extLst>
+          </p:cNvPr>
+          <p:cNvPicPr>
+            <a:picLocks noChangeAspect="1"/>
+          </p:cNvPicPr>
+          <p:nvPr/>
+        </p:nvPicPr>
+        <p:blipFill>
+          <a:blip r:embed="rId3"/>
+          <a:stretch>
+            <a:fillRect/>
+          </a:stretch>
+        </p:blipFill>
+        <p:spPr>
+          <a:xfrm>
+            <a:off x="423400" y="2185987"/>
+            <a:ext cx="1952625" cy="2486025"/>
+          </a:xfrm>
+          <a:prstGeom prst="rect">
+            <a:avLst/>
+          </a:prstGeom>
+        </p:spPr>
+      </p:pic>
+      <p:pic>
+        <p:nvPicPr>
+          <p:cNvPr id="9" name="Image 8">
+            <a:extLst>
+              <a:ext uri="{FF2B5EF4-FFF2-40B4-BE49-F238E27FC236}">
+                <a16:creationId xmlns:a16="http://schemas.microsoft.com/office/drawing/2014/main" id="{80BFC8D3-09C0-4F57-A96E-5EA4D7C6C132}"/>
+              </a:ext>
+            </a:extLst>
+          </p:cNvPr>
+          <p:cNvPicPr>
+            <a:picLocks noChangeAspect="1"/>
+          </p:cNvPicPr>
+          <p:nvPr/>
+        </p:nvPicPr>
+        <p:blipFill>
+          <a:blip r:embed="rId4"/>
+          <a:stretch>
+            <a:fillRect/>
+          </a:stretch>
+        </p:blipFill>
+        <p:spPr>
+          <a:xfrm>
+            <a:off x="3667605" y="2293979"/>
+            <a:ext cx="5050267" cy="4175169"/>
+          </a:xfrm>
+          <a:prstGeom prst="rect">
+            <a:avLst/>
+          </a:prstGeom>
+        </p:spPr>
+      </p:pic>
+      <p:sp>
+        <p:nvSpPr>
+          <p:cNvPr id="10" name="ZoneTexte 9">
+            <a:extLst>
+              <a:ext uri="{FF2B5EF4-FFF2-40B4-BE49-F238E27FC236}">
+                <a16:creationId xmlns:a16="http://schemas.microsoft.com/office/drawing/2014/main" id="{A5960CF0-C6B9-4577-98A4-88365777FA2B}"/>
+              </a:ext>
+            </a:extLst>
+          </p:cNvPr>
+          <p:cNvSpPr txBox="1"/>
+          <p:nvPr/>
+        </p:nvSpPr>
+        <p:spPr>
+          <a:xfrm>
+            <a:off x="177553" y="1741937"/>
+            <a:ext cx="3286781" cy="338554"/>
+          </a:xfrm>
+          <a:prstGeom prst="rect">
+            <a:avLst/>
+          </a:prstGeom>
+          <a:noFill/>
+        </p:spPr>
+        <p:txBody>
+          <a:bodyPr wrap="square" rtlCol="0">
+            <a:spAutoFit/>
+          </a:bodyPr>
+          <a:lstStyle/>
+          <a:p>
+            <a:r>
+              <a:rPr lang="fr-FR" sz="1600" dirty="0"/>
+              <a:t>0. Très peu de Fonctions membres </a:t>
+            </a:r>
+          </a:p>
+        </p:txBody>
+      </p:sp>
+      <p:sp>
+        <p:nvSpPr>
+          <p:cNvPr id="11" name="ZoneTexte 10">
+            <a:extLst>
+              <a:ext uri="{FF2B5EF4-FFF2-40B4-BE49-F238E27FC236}">
+                <a16:creationId xmlns:a16="http://schemas.microsoft.com/office/drawing/2014/main" id="{2E4DDBD1-9CC4-4BAE-A942-FBB6B9F15D23}"/>
+              </a:ext>
+            </a:extLst>
+          </p:cNvPr>
+          <p:cNvSpPr txBox="1"/>
+          <p:nvPr/>
+        </p:nvSpPr>
+        <p:spPr>
+          <a:xfrm>
+            <a:off x="3686381" y="1741937"/>
+            <a:ext cx="4276889" cy="584775"/>
+          </a:xfrm>
+          <a:prstGeom prst="rect">
+            <a:avLst/>
+          </a:prstGeom>
+          <a:noFill/>
+        </p:spPr>
+        <p:txBody>
+          <a:bodyPr wrap="square" rtlCol="0">
+            <a:spAutoFit/>
+          </a:bodyPr>
+          <a:lstStyle/>
+          <a:p>
+            <a:r>
+              <a:rPr lang="fr-FR" sz="1600" dirty="0"/>
+              <a:t>1. Fonction </a:t>
+            </a:r>
+            <a:r>
+              <a:rPr lang="fr-FR" sz="1600" dirty="0" err="1"/>
+              <a:t>txtAff</a:t>
+            </a:r>
+            <a:r>
+              <a:rPr lang="fr-FR" sz="1600" dirty="0"/>
+              <a:t> qui affiche le personnage et les monstres à l’écran </a:t>
+            </a:r>
+          </a:p>
+        </p:txBody>
+      </p:sp>
+      <p:pic>
+        <p:nvPicPr>
+          <p:cNvPr id="13" name="Image 12">
+            <a:extLst>
+              <a:ext uri="{FF2B5EF4-FFF2-40B4-BE49-F238E27FC236}">
+                <a16:creationId xmlns:a16="http://schemas.microsoft.com/office/drawing/2014/main" id="{0EC78395-CC15-46D1-9A9D-E7E98C9F0638}"/>
+              </a:ext>
+            </a:extLst>
+          </p:cNvPr>
+          <p:cNvPicPr>
+            <a:picLocks noChangeAspect="1"/>
+          </p:cNvPicPr>
+          <p:nvPr/>
+        </p:nvPicPr>
+        <p:blipFill>
+          <a:blip r:embed="rId5"/>
+          <a:stretch>
+            <a:fillRect/>
+          </a:stretch>
+        </p:blipFill>
+        <p:spPr>
+          <a:xfrm>
+            <a:off x="8358226" y="2409409"/>
+            <a:ext cx="3656221" cy="3204328"/>
+          </a:xfrm>
+          <a:prstGeom prst="rect">
+            <a:avLst/>
+          </a:prstGeom>
+        </p:spPr>
+      </p:pic>
+      <p:sp>
+        <p:nvSpPr>
+          <p:cNvPr id="14" name="ZoneTexte 13">
+            <a:extLst>
+              <a:ext uri="{FF2B5EF4-FFF2-40B4-BE49-F238E27FC236}">
+                <a16:creationId xmlns:a16="http://schemas.microsoft.com/office/drawing/2014/main" id="{17903A91-9C29-478C-AE00-81C20180DB11}"/>
+              </a:ext>
+            </a:extLst>
+          </p:cNvPr>
+          <p:cNvSpPr txBox="1"/>
+          <p:nvPr/>
+        </p:nvSpPr>
+        <p:spPr>
+          <a:xfrm>
+            <a:off x="8185317" y="1553998"/>
+            <a:ext cx="3722776" cy="830997"/>
+          </a:xfrm>
+          <a:prstGeom prst="rect">
+            <a:avLst/>
+          </a:prstGeom>
+          <a:noFill/>
+        </p:spPr>
+        <p:txBody>
+          <a:bodyPr wrap="square" rtlCol="0">
+            <a:spAutoFit/>
+          </a:bodyPr>
+          <a:lstStyle/>
+          <a:p>
+            <a:r>
+              <a:rPr lang="fr-FR" sz="1600" dirty="0"/>
+              <a:t>2. </a:t>
+            </a:r>
+            <a:r>
+              <a:rPr lang="fr-FR" sz="1600" dirty="0" err="1"/>
+              <a:t>txtBoucle</a:t>
+            </a:r>
+            <a:r>
+              <a:rPr lang="fr-FR" sz="1600" dirty="0"/>
+              <a:t>(Jeu &amp;jeu) va appeler les fonctions </a:t>
+            </a:r>
+            <a:r>
+              <a:rPr lang="fr-FR" sz="1600" dirty="0" err="1"/>
+              <a:t>txtAff</a:t>
+            </a:r>
+            <a:r>
+              <a:rPr lang="fr-FR" sz="1600" dirty="0"/>
+              <a:t> , </a:t>
+            </a:r>
+            <a:r>
+              <a:rPr lang="fr-FR" sz="1600" dirty="0" err="1"/>
+              <a:t>actionautomatique</a:t>
+            </a:r>
+            <a:r>
+              <a:rPr lang="fr-FR" sz="1600" dirty="0"/>
+              <a:t> et </a:t>
+            </a:r>
+            <a:r>
+              <a:rPr lang="fr-FR" sz="1600" dirty="0" err="1"/>
+              <a:t>actionCalvier</a:t>
+            </a:r>
+            <a:r>
+              <a:rPr lang="fr-FR" sz="1600" dirty="0"/>
+              <a:t> en boucle </a:t>
+            </a:r>
+          </a:p>
+        </p:txBody>
+      </p:sp>
+    </p:spTree>
+    <p:extLst>
+      <p:ext uri="{BB962C8B-B14F-4D97-AF65-F5344CB8AC3E}">
+        <p14:creationId xmlns:p14="http://schemas.microsoft.com/office/powerpoint/2010/main" val="4147597442"/>
+      </p:ext>
+    </p:extLst>
+  </p:cSld>
+  <p:clrMapOvr>
+    <a:masterClrMapping/>
+  </p:clrMapOvr>
+</p:sld>
+</file>
+
+<file path=ppt/slides/slide7.xml><?xml version="1.0" encoding="utf-8"?>
+<p:sld xmlns:a="http://schemas.openxmlformats.org/drawingml/2006/main" xmlns:r="http://schemas.openxmlformats.org/officeDocument/2006/relationships" xmlns:p="http://schemas.openxmlformats.org/presentationml/2006/main">
+  <p:cSld>
+    <p:spTree>
+      <p:nvGrpSpPr>
+        <p:cNvPr id="1" name=""/>
+        <p:cNvGrpSpPr/>
+        <p:nvPr/>
+      </p:nvGrpSpPr>
+      <p:grpSpPr>
+        <a:xfrm>
+          <a:off x="0" y="0"/>
+          <a:ext cx="0" cy="0"/>
+          <a:chOff x="0" y="0"/>
+          <a:chExt cx="0" cy="0"/>
+        </a:xfrm>
+      </p:grpSpPr>
+      <p:sp>
+        <p:nvSpPr>
+          <p:cNvPr id="5" name="ZoneTexte 4">
+            <a:extLst>
+              <a:ext uri="{FF2B5EF4-FFF2-40B4-BE49-F238E27FC236}">
+                <a16:creationId xmlns:a16="http://schemas.microsoft.com/office/drawing/2014/main" id="{3E3E7AF7-791D-442A-9A1B-97CCD4D76B1D}"/>
+              </a:ext>
+            </a:extLst>
+          </p:cNvPr>
+          <p:cNvSpPr txBox="1"/>
+          <p:nvPr/>
+        </p:nvSpPr>
+        <p:spPr>
+          <a:xfrm>
+            <a:off x="177553" y="6284482"/>
+            <a:ext cx="4740676" cy="369332"/>
+          </a:xfrm>
+          <a:prstGeom prst="rect">
+            <a:avLst/>
+          </a:prstGeom>
+          <a:noFill/>
+        </p:spPr>
+        <p:txBody>
+          <a:bodyPr wrap="square" rtlCol="0">
+            <a:spAutoFit/>
+          </a:bodyPr>
+          <a:lstStyle/>
+          <a:p>
+            <a:r>
+              <a:rPr lang="fr-FR" dirty="0"/>
+              <a:t>UCBL LIFAP4 – Printemps 2022</a:t>
+            </a:r>
+          </a:p>
+        </p:txBody>
+      </p:sp>
+      <p:pic>
+        <p:nvPicPr>
+          <p:cNvPr id="7" name="Image 6">
+            <a:extLst>
+              <a:ext uri="{FF2B5EF4-FFF2-40B4-BE49-F238E27FC236}">
+                <a16:creationId xmlns:a16="http://schemas.microsoft.com/office/drawing/2014/main" id="{A9FE46FB-174F-48ED-8042-FA4BEFE725F4}"/>
+              </a:ext>
+            </a:extLst>
+          </p:cNvPr>
+          <p:cNvPicPr>
+            <a:picLocks noChangeAspect="1"/>
+          </p:cNvPicPr>
+          <p:nvPr/>
+        </p:nvPicPr>
+        <p:blipFill>
+          <a:blip r:embed="rId2">
+            <a:extLst>
+              <a:ext uri="{28A0092B-C50C-407E-A947-70E740481C1C}">
+                <a14:useLocalDpi xmlns:a14="http://schemas.microsoft.com/office/drawing/2010/main" val="0"/>
+              </a:ext>
+            </a:extLst>
+          </a:blip>
+          <a:stretch>
+            <a:fillRect/>
+          </a:stretch>
+        </p:blipFill>
+        <p:spPr>
+          <a:xfrm>
+            <a:off x="9081856" y="6030962"/>
+            <a:ext cx="2932591" cy="622852"/>
+          </a:xfrm>
+          <a:prstGeom prst="rect">
+            <a:avLst/>
+          </a:prstGeom>
+        </p:spPr>
+      </p:pic>
+      <p:sp>
+        <p:nvSpPr>
+          <p:cNvPr id="4" name="ZoneTexte 3">
+            <a:extLst>
+              <a:ext uri="{FF2B5EF4-FFF2-40B4-BE49-F238E27FC236}">
+                <a16:creationId xmlns:a16="http://schemas.microsoft.com/office/drawing/2014/main" id="{94887722-1A9D-463C-8F35-86C83965D2C2}"/>
+              </a:ext>
+            </a:extLst>
+          </p:cNvPr>
+          <p:cNvSpPr txBox="1"/>
+          <p:nvPr/>
+        </p:nvSpPr>
+        <p:spPr>
+          <a:xfrm>
+            <a:off x="2226075" y="204186"/>
+            <a:ext cx="7739849" cy="461665"/>
+          </a:xfrm>
+          <a:prstGeom prst="rect">
+            <a:avLst/>
+          </a:prstGeom>
+          <a:noFill/>
+        </p:spPr>
+        <p:txBody>
+          <a:bodyPr wrap="square" rtlCol="0">
+            <a:spAutoFit/>
+          </a:bodyPr>
+          <a:lstStyle/>
+          <a:p>
+            <a:r>
+              <a:rPr lang="fr-FR" dirty="0"/>
+              <a:t>			</a:t>
+            </a:r>
+            <a:r>
+              <a:rPr lang="fr-FR" sz="2400" dirty="0"/>
+              <a:t>Objectifs de projet</a:t>
+            </a:r>
+            <a:endParaRPr lang="fr-FR" dirty="0"/>
+          </a:p>
+        </p:txBody>
+      </p:sp>
+      <p:sp>
+        <p:nvSpPr>
+          <p:cNvPr id="8" name="ZoneTexte 7">
+            <a:extLst>
+              <a:ext uri="{FF2B5EF4-FFF2-40B4-BE49-F238E27FC236}">
+                <a16:creationId xmlns:a16="http://schemas.microsoft.com/office/drawing/2014/main" id="{01C4402C-349B-4DFD-ADF9-8BCA63364EAE}"/>
+              </a:ext>
+            </a:extLst>
+          </p:cNvPr>
+          <p:cNvSpPr txBox="1"/>
+          <p:nvPr/>
+        </p:nvSpPr>
+        <p:spPr>
+          <a:xfrm>
+            <a:off x="479394" y="918551"/>
+            <a:ext cx="5291091" cy="3970318"/>
+          </a:xfrm>
+          <a:prstGeom prst="rect">
+            <a:avLst/>
+          </a:prstGeom>
+          <a:noFill/>
+        </p:spPr>
+        <p:txBody>
+          <a:bodyPr wrap="square" rtlCol="0">
+            <a:spAutoFit/>
+          </a:bodyPr>
+          <a:lstStyle/>
+          <a:p>
+            <a:r>
+              <a:rPr lang="fr-FR" dirty="0"/>
+              <a:t>Fonctionnalités: </a:t>
+            </a:r>
+          </a:p>
+          <a:p>
+            <a:r>
+              <a:rPr lang="fr-FR" dirty="0">
+                <a:solidFill>
+                  <a:schemeClr val="accent6"/>
+                </a:solidFill>
+              </a:rPr>
+              <a:t>• Choix du sexe du personnage</a:t>
+            </a:r>
+          </a:p>
+          <a:p>
+            <a:r>
+              <a:rPr lang="fr-FR" dirty="0">
+                <a:solidFill>
+                  <a:schemeClr val="accent6"/>
+                </a:solidFill>
+              </a:rPr>
+              <a:t> • Sélection du niveau </a:t>
+            </a:r>
+          </a:p>
+          <a:p>
+            <a:r>
+              <a:rPr lang="fr-FR" dirty="0">
+                <a:solidFill>
+                  <a:schemeClr val="accent6"/>
+                </a:solidFill>
+              </a:rPr>
+              <a:t>• Déplacement du personnage dans la direction souhaitée </a:t>
+            </a:r>
+          </a:p>
+          <a:p>
+            <a:r>
+              <a:rPr lang="fr-FR" dirty="0">
+                <a:solidFill>
+                  <a:schemeClr val="accent6"/>
+                </a:solidFill>
+              </a:rPr>
+              <a:t>• Possibilité d’envoyer une attaque </a:t>
+            </a:r>
+          </a:p>
+          <a:p>
+            <a:r>
+              <a:rPr lang="fr-FR" dirty="0">
+                <a:solidFill>
+                  <a:schemeClr val="accent6"/>
+                </a:solidFill>
+              </a:rPr>
+              <a:t>• Nombre de points de vie visible </a:t>
+            </a:r>
+          </a:p>
+          <a:p>
+            <a:r>
+              <a:rPr lang="fr-FR" dirty="0">
+                <a:solidFill>
+                  <a:schemeClr val="accent6"/>
+                </a:solidFill>
+              </a:rPr>
+              <a:t>• Présence de boss en fin de niveau </a:t>
+            </a:r>
+          </a:p>
+          <a:p>
+            <a:r>
+              <a:rPr lang="fr-FR" dirty="0">
+                <a:solidFill>
+                  <a:schemeClr val="accent6"/>
+                </a:solidFill>
+              </a:rPr>
+              <a:t>• Obtention d’arme et pièce (score)</a:t>
+            </a:r>
+          </a:p>
+          <a:p>
+            <a:r>
+              <a:rPr lang="fr-FR" dirty="0">
+                <a:solidFill>
+                  <a:schemeClr val="accent6"/>
+                </a:solidFill>
+              </a:rPr>
+              <a:t>• Possibilité de jouer à plusieurs niveaux différents. </a:t>
+            </a:r>
+          </a:p>
+          <a:p>
+            <a:r>
+              <a:rPr lang="fr-FR" dirty="0">
+                <a:solidFill>
+                  <a:schemeClr val="accent6"/>
+                </a:solidFill>
+              </a:rPr>
+              <a:t>•Menu en version texte.</a:t>
+            </a:r>
+          </a:p>
+          <a:p>
+            <a:r>
+              <a:rPr lang="fr-FR" dirty="0">
+                <a:solidFill>
+                  <a:srgbClr val="FFC000"/>
+                </a:solidFill>
+              </a:rPr>
+              <a:t>•Menu en version graphique.</a:t>
+            </a:r>
+          </a:p>
+          <a:p>
+            <a:r>
+              <a:rPr lang="fr-FR" dirty="0">
+                <a:solidFill>
+                  <a:schemeClr val="accent6"/>
+                </a:solidFill>
+              </a:rPr>
+              <a:t> </a:t>
+            </a:r>
+          </a:p>
+          <a:p>
+            <a:endParaRPr lang="fr-FR" dirty="0"/>
+          </a:p>
+        </p:txBody>
+      </p:sp>
+      <p:sp>
+        <p:nvSpPr>
+          <p:cNvPr id="12" name="ZoneTexte 11">
+            <a:extLst>
+              <a:ext uri="{FF2B5EF4-FFF2-40B4-BE49-F238E27FC236}">
+                <a16:creationId xmlns:a16="http://schemas.microsoft.com/office/drawing/2014/main" id="{66F2F841-D50B-42BF-9C09-725E9C008DE4}"/>
+              </a:ext>
+            </a:extLst>
+          </p:cNvPr>
+          <p:cNvSpPr txBox="1"/>
+          <p:nvPr/>
+        </p:nvSpPr>
+        <p:spPr>
+          <a:xfrm>
+            <a:off x="6421517" y="918551"/>
+            <a:ext cx="4607508" cy="3970318"/>
+          </a:xfrm>
+          <a:prstGeom prst="rect">
+            <a:avLst/>
+          </a:prstGeom>
+          <a:noFill/>
+        </p:spPr>
+        <p:txBody>
+          <a:bodyPr wrap="square" rtlCol="0">
+            <a:spAutoFit/>
+          </a:bodyPr>
+          <a:lstStyle/>
+          <a:p>
+            <a:r>
+              <a:rPr lang="fr-FR" dirty="0"/>
+              <a:t>Gestion des scores : </a:t>
+            </a:r>
+          </a:p>
+          <a:p>
+            <a:r>
+              <a:rPr lang="fr-FR" dirty="0">
+                <a:solidFill>
+                  <a:schemeClr val="accent6"/>
+                </a:solidFill>
+              </a:rPr>
+              <a:t>• Le score initial du jeu est de 0. </a:t>
+            </a:r>
+          </a:p>
+          <a:p>
+            <a:r>
+              <a:rPr lang="fr-FR" dirty="0">
+                <a:solidFill>
+                  <a:srgbClr val="FF0000"/>
+                </a:solidFill>
+              </a:rPr>
+              <a:t>• Au fur et à mesure que le temps passe, le score du joueur augmente. </a:t>
+            </a:r>
+          </a:p>
+          <a:p>
+            <a:r>
+              <a:rPr lang="fr-FR" dirty="0">
+                <a:solidFill>
+                  <a:srgbClr val="FFC000"/>
+                </a:solidFill>
+              </a:rPr>
+              <a:t>• Lorsque nous tuons des monstres, nous obtenons une petite quantité de pièces et de points. </a:t>
+            </a:r>
+          </a:p>
+          <a:p>
+            <a:r>
+              <a:rPr lang="fr-FR" dirty="0">
+                <a:solidFill>
+                  <a:srgbClr val="FFC000"/>
+                </a:solidFill>
+              </a:rPr>
+              <a:t>• Lorsque nous tuons un boss, nous obtenons une petite quantité de pièces et de points. </a:t>
+            </a:r>
+          </a:p>
+          <a:p>
+            <a:r>
+              <a:rPr lang="fr-FR" dirty="0">
+                <a:solidFill>
+                  <a:srgbClr val="FFC000"/>
+                </a:solidFill>
+              </a:rPr>
+              <a:t>• Réussir un niveau permet de gagner une grande quantité de pièces et de points (cela peut dépendre du temps que le joueur met à passer le niveau, plus le temps est court, plus le bonus est élevé).</a:t>
+            </a:r>
+          </a:p>
+        </p:txBody>
+      </p:sp>
+      <p:sp>
+        <p:nvSpPr>
+          <p:cNvPr id="16" name="ZoneTexte 15">
+            <a:extLst>
+              <a:ext uri="{FF2B5EF4-FFF2-40B4-BE49-F238E27FC236}">
+                <a16:creationId xmlns:a16="http://schemas.microsoft.com/office/drawing/2014/main" id="{0FFD1A49-BD0E-4738-B9B0-74C9BF65AA8B}"/>
+              </a:ext>
+            </a:extLst>
+          </p:cNvPr>
+          <p:cNvSpPr txBox="1"/>
+          <p:nvPr/>
+        </p:nvSpPr>
+        <p:spPr>
+          <a:xfrm>
+            <a:off x="301841" y="4581332"/>
+            <a:ext cx="5291090" cy="1200329"/>
+          </a:xfrm>
+          <a:prstGeom prst="rect">
+            <a:avLst/>
+          </a:prstGeom>
+          <a:noFill/>
+        </p:spPr>
+        <p:txBody>
+          <a:bodyPr wrap="square" rtlCol="0">
+            <a:spAutoFit/>
+          </a:bodyPr>
+          <a:lstStyle/>
+          <a:p>
+            <a:r>
+              <a:rPr lang="fr-FR" u="sng" dirty="0"/>
+              <a:t>Légende</a:t>
+            </a:r>
+          </a:p>
+          <a:p>
+            <a:r>
+              <a:rPr lang="fr-FR" dirty="0">
+                <a:solidFill>
+                  <a:schemeClr val="accent6"/>
+                </a:solidFill>
+              </a:rPr>
+              <a:t>Atteint.</a:t>
+            </a:r>
+          </a:p>
+          <a:p>
+            <a:r>
+              <a:rPr lang="fr-FR" dirty="0">
+                <a:solidFill>
+                  <a:srgbClr val="FFC000"/>
+                </a:solidFill>
+              </a:rPr>
+              <a:t>Non-atteint mais sachant faire</a:t>
+            </a:r>
+          </a:p>
+          <a:p>
+            <a:r>
+              <a:rPr lang="fr-FR" dirty="0">
+                <a:solidFill>
+                  <a:srgbClr val="FF0000"/>
+                </a:solidFill>
+              </a:rPr>
+              <a:t>Non-atteint et abandonnée</a:t>
+            </a:r>
+          </a:p>
+        </p:txBody>
+      </p:sp>
+    </p:spTree>
+    <p:extLst>
+      <p:ext uri="{BB962C8B-B14F-4D97-AF65-F5344CB8AC3E}">
+        <p14:creationId xmlns:p14="http://schemas.microsoft.com/office/powerpoint/2010/main" val="659684470"/>
+      </p:ext>
+    </p:extLst>
+  </p:cSld>
+  <p:clrMapOvr>
+    <a:masterClrMapping/>
+  </p:clrMapOvr>
+</p:sld>
+</file>
+
+<file path=ppt/slides/slide8.xml><?xml version="1.0" encoding="utf-8"?>
+<p:sld xmlns:a="http://schemas.openxmlformats.org/drawingml/2006/main" xmlns:r="http://schemas.openxmlformats.org/officeDocument/2006/relationships" xmlns:p="http://schemas.openxmlformats.org/presentationml/2006/main">
+  <p:cSld>
+    <p:spTree>
+      <p:nvGrpSpPr>
+        <p:cNvPr id="1" name=""/>
+        <p:cNvGrpSpPr/>
+        <p:nvPr/>
+      </p:nvGrpSpPr>
+      <p:grpSpPr>
+        <a:xfrm>
+          <a:off x="0" y="0"/>
+          <a:ext cx="0" cy="0"/>
+          <a:chOff x="0" y="0"/>
+          <a:chExt cx="0" cy="0"/>
+        </a:xfrm>
+      </p:grpSpPr>
+      <p:sp>
+        <p:nvSpPr>
+          <p:cNvPr id="5" name="ZoneTexte 4">
+            <a:extLst>
+              <a:ext uri="{FF2B5EF4-FFF2-40B4-BE49-F238E27FC236}">
+                <a16:creationId xmlns:a16="http://schemas.microsoft.com/office/drawing/2014/main" id="{3E3E7AF7-791D-442A-9A1B-97CCD4D76B1D}"/>
+              </a:ext>
+            </a:extLst>
+          </p:cNvPr>
+          <p:cNvSpPr txBox="1"/>
+          <p:nvPr/>
+        </p:nvSpPr>
+        <p:spPr>
+          <a:xfrm>
+            <a:off x="177553" y="6284482"/>
+            <a:ext cx="4740676" cy="369332"/>
+          </a:xfrm>
+          <a:prstGeom prst="rect">
+            <a:avLst/>
+          </a:prstGeom>
+          <a:noFill/>
+        </p:spPr>
+        <p:txBody>
+          <a:bodyPr wrap="square" rtlCol="0">
+            <a:spAutoFit/>
+          </a:bodyPr>
+          <a:lstStyle/>
+          <a:p>
+            <a:r>
+              <a:rPr lang="fr-FR" dirty="0"/>
+              <a:t>UCBL LIFAP4 – Printemps 2022</a:t>
+            </a:r>
+          </a:p>
+        </p:txBody>
+      </p:sp>
+      <p:pic>
+        <p:nvPicPr>
+          <p:cNvPr id="7" name="Image 6">
+            <a:extLst>
+              <a:ext uri="{FF2B5EF4-FFF2-40B4-BE49-F238E27FC236}">
+                <a16:creationId xmlns:a16="http://schemas.microsoft.com/office/drawing/2014/main" id="{A9FE46FB-174F-48ED-8042-FA4BEFE725F4}"/>
+              </a:ext>
+            </a:extLst>
+          </p:cNvPr>
+          <p:cNvPicPr>
+            <a:picLocks noChangeAspect="1"/>
+          </p:cNvPicPr>
+          <p:nvPr/>
+        </p:nvPicPr>
+        <p:blipFill>
+          <a:blip r:embed="rId2">
+            <a:extLst>
+              <a:ext uri="{28A0092B-C50C-407E-A947-70E740481C1C}">
+                <a14:useLocalDpi xmlns:a14="http://schemas.microsoft.com/office/drawing/2010/main" val="0"/>
+              </a:ext>
+            </a:extLst>
+          </a:blip>
+          <a:stretch>
+            <a:fillRect/>
+          </a:stretch>
+        </p:blipFill>
+        <p:spPr>
+          <a:xfrm>
+            <a:off x="9081856" y="6030962"/>
+            <a:ext cx="2932591" cy="622852"/>
+          </a:xfrm>
+          <a:prstGeom prst="rect">
+            <a:avLst/>
+          </a:prstGeom>
+        </p:spPr>
+      </p:pic>
+      <p:sp>
+        <p:nvSpPr>
+          <p:cNvPr id="4" name="ZoneTexte 3">
+            <a:extLst>
+              <a:ext uri="{FF2B5EF4-FFF2-40B4-BE49-F238E27FC236}">
+                <a16:creationId xmlns:a16="http://schemas.microsoft.com/office/drawing/2014/main" id="{94887722-1A9D-463C-8F35-86C83965D2C2}"/>
+              </a:ext>
+            </a:extLst>
+          </p:cNvPr>
+          <p:cNvSpPr txBox="1"/>
+          <p:nvPr/>
+        </p:nvSpPr>
+        <p:spPr>
+          <a:xfrm>
+            <a:off x="2226075" y="204186"/>
+            <a:ext cx="7739849" cy="461665"/>
+          </a:xfrm>
+          <a:prstGeom prst="rect">
+            <a:avLst/>
+          </a:prstGeom>
+          <a:noFill/>
+        </p:spPr>
+        <p:txBody>
+          <a:bodyPr wrap="square" rtlCol="0">
+            <a:spAutoFit/>
+          </a:bodyPr>
+          <a:lstStyle/>
+          <a:p>
+            <a:r>
+              <a:rPr lang="fr-FR" dirty="0"/>
+              <a:t>			</a:t>
+            </a:r>
+            <a:r>
+              <a:rPr lang="fr-FR" sz="2400" dirty="0"/>
+              <a:t>Objectifs de projet</a:t>
+            </a:r>
+            <a:endParaRPr lang="fr-FR" dirty="0"/>
+          </a:p>
+        </p:txBody>
+      </p:sp>
+      <p:sp>
+        <p:nvSpPr>
+          <p:cNvPr id="2" name="ZoneTexte 1">
+            <a:extLst>
+              <a:ext uri="{FF2B5EF4-FFF2-40B4-BE49-F238E27FC236}">
+                <a16:creationId xmlns:a16="http://schemas.microsoft.com/office/drawing/2014/main" id="{F0ADD81C-91AA-406B-9F12-AB9E6EDB6BAF}"/>
+              </a:ext>
+            </a:extLst>
+          </p:cNvPr>
+          <p:cNvSpPr txBox="1"/>
+          <p:nvPr/>
+        </p:nvSpPr>
+        <p:spPr>
+          <a:xfrm>
+            <a:off x="674702" y="1313895"/>
+            <a:ext cx="9291222" cy="2308324"/>
+          </a:xfrm>
+          <a:prstGeom prst="rect">
+            <a:avLst/>
+          </a:prstGeom>
+          <a:noFill/>
+        </p:spPr>
+        <p:txBody>
+          <a:bodyPr wrap="square" rtlCol="0">
+            <a:spAutoFit/>
+          </a:bodyPr>
+          <a:lstStyle/>
+          <a:p>
+            <a:r>
+              <a:rPr lang="fr-FR" dirty="0"/>
+              <a:t>Contraintes :</a:t>
+            </a:r>
+          </a:p>
+          <a:p>
+            <a:r>
+              <a:rPr lang="fr-FR" dirty="0">
+                <a:solidFill>
+                  <a:schemeClr val="accent6"/>
+                </a:solidFill>
+              </a:rPr>
+              <a:t>-</a:t>
+            </a:r>
+            <a:r>
+              <a:rPr lang="fr-FR" dirty="0">
+                <a:solidFill>
+                  <a:schemeClr val="bg2">
+                    <a:lumMod val="50000"/>
+                  </a:schemeClr>
+                </a:solidFill>
+              </a:rPr>
+              <a:t>Le projet doit être développé en 8 semaines. </a:t>
+            </a:r>
+          </a:p>
+          <a:p>
+            <a:r>
+              <a:rPr lang="fr-FR" dirty="0">
+                <a:solidFill>
+                  <a:schemeClr val="accent6"/>
+                </a:solidFill>
+              </a:rPr>
+              <a:t>-Le jeu sera développé en C/C++ sous Linux Les librairies utilisées seront SDL2 et une librairie texte pour une version alpha.</a:t>
+            </a:r>
+          </a:p>
+          <a:p>
+            <a:r>
+              <a:rPr lang="fr-FR" dirty="0">
+                <a:solidFill>
+                  <a:schemeClr val="accent6"/>
+                </a:solidFill>
+              </a:rPr>
+              <a:t>-Le code respectera le standard suivant : code indenté, variable ayant du sens, ... </a:t>
+            </a:r>
+          </a:p>
+          <a:p>
+            <a:r>
+              <a:rPr lang="fr-FR" dirty="0">
+                <a:solidFill>
+                  <a:schemeClr val="accent6"/>
+                </a:solidFill>
+              </a:rPr>
+              <a:t>-Le code sera géré et archivé sur la Forge Lyon 1. </a:t>
+            </a:r>
+          </a:p>
+          <a:p>
+            <a:r>
+              <a:rPr lang="fr-FR" dirty="0">
+                <a:solidFill>
+                  <a:schemeClr val="accent6"/>
+                </a:solidFill>
+              </a:rPr>
+              <a:t>-La documentation du code sera produite par </a:t>
+            </a:r>
+            <a:r>
+              <a:rPr lang="fr-FR" dirty="0" err="1">
+                <a:solidFill>
+                  <a:schemeClr val="accent6"/>
+                </a:solidFill>
+              </a:rPr>
+              <a:t>Doxygen</a:t>
+            </a:r>
+            <a:r>
+              <a:rPr lang="fr-FR" dirty="0">
+                <a:solidFill>
+                  <a:schemeClr val="accent6"/>
+                </a:solidFill>
+              </a:rPr>
+              <a:t> </a:t>
+            </a:r>
+          </a:p>
+          <a:p>
+            <a:r>
+              <a:rPr lang="fr-FR" dirty="0">
+                <a:solidFill>
+                  <a:schemeClr val="accent6"/>
+                </a:solidFill>
+              </a:rPr>
+              <a:t>-Un diagramme des classes permettra d'avoir une vision de haut niveau de l'implantation</a:t>
+            </a:r>
+          </a:p>
+        </p:txBody>
+      </p:sp>
+      <p:sp>
+        <p:nvSpPr>
+          <p:cNvPr id="9" name="ZoneTexte 8">
+            <a:extLst>
+              <a:ext uri="{FF2B5EF4-FFF2-40B4-BE49-F238E27FC236}">
+                <a16:creationId xmlns:a16="http://schemas.microsoft.com/office/drawing/2014/main" id="{3C8A8041-6FAE-4564-AE57-0D075E8E4313}"/>
+              </a:ext>
+            </a:extLst>
+          </p:cNvPr>
+          <p:cNvSpPr txBox="1"/>
+          <p:nvPr/>
+        </p:nvSpPr>
+        <p:spPr>
+          <a:xfrm>
+            <a:off x="301841" y="4581332"/>
+            <a:ext cx="5291090" cy="1477328"/>
+          </a:xfrm>
+          <a:prstGeom prst="rect">
+            <a:avLst/>
+          </a:prstGeom>
+          <a:noFill/>
+        </p:spPr>
+        <p:txBody>
+          <a:bodyPr wrap="square" rtlCol="0">
+            <a:spAutoFit/>
+          </a:bodyPr>
+          <a:lstStyle/>
+          <a:p>
+            <a:r>
+              <a:rPr lang="fr-FR" u="sng" dirty="0"/>
+              <a:t>Légende</a:t>
+            </a:r>
+          </a:p>
+          <a:p>
+            <a:r>
+              <a:rPr lang="fr-FR" dirty="0">
+                <a:solidFill>
+                  <a:schemeClr val="accent6"/>
+                </a:solidFill>
+              </a:rPr>
+              <a:t>Atteint.</a:t>
+            </a:r>
+          </a:p>
+          <a:p>
+            <a:r>
+              <a:rPr lang="fr-FR" dirty="0">
+                <a:solidFill>
+                  <a:srgbClr val="FFC000"/>
+                </a:solidFill>
+              </a:rPr>
+              <a:t>Non-atteint mais sachant faire</a:t>
+            </a:r>
+          </a:p>
+          <a:p>
+            <a:r>
+              <a:rPr lang="fr-FR" dirty="0">
+                <a:solidFill>
+                  <a:schemeClr val="bg2">
+                    <a:lumMod val="50000"/>
+                  </a:schemeClr>
+                </a:solidFill>
+              </a:rPr>
+              <a:t>Non-atteint </a:t>
+            </a:r>
+          </a:p>
+          <a:p>
+            <a:r>
+              <a:rPr lang="fr-FR" dirty="0">
+                <a:solidFill>
+                  <a:srgbClr val="FF0000"/>
+                </a:solidFill>
+              </a:rPr>
+              <a:t>Non-atteint et abandonnée</a:t>
+            </a:r>
+          </a:p>
+        </p:txBody>
+      </p:sp>
+    </p:spTree>
+    <p:extLst>
+      <p:ext uri="{BB962C8B-B14F-4D97-AF65-F5344CB8AC3E}">
+        <p14:creationId xmlns:p14="http://schemas.microsoft.com/office/powerpoint/2010/main" val="1078709732"/>
+      </p:ext>
+    </p:extLst>
+  </p:cSld>
+  <p:clrMapOvr>
+    <a:masterClrMapping/>
+  </p:clrMapOvr>
+</p:sld>
+</file>
+
+<file path=ppt/slides/slide9.xml><?xml version="1.0" encoding="utf-8"?>
+<p:sld xmlns:a="http://schemas.openxmlformats.org/drawingml/2006/main" xmlns:r="http://schemas.openxmlformats.org/officeDocument/2006/relationships" xmlns:p="http://schemas.openxmlformats.org/presentationml/2006/main">
+  <p:cSld>
+    <p:spTree>
+      <p:nvGrpSpPr>
+        <p:cNvPr id="1" name=""/>
+        <p:cNvGrpSpPr/>
+        <p:nvPr/>
+      </p:nvGrpSpPr>
+      <p:grpSpPr>
+        <a:xfrm>
+          <a:off x="0" y="0"/>
+          <a:ext cx="0" cy="0"/>
+          <a:chOff x="0" y="0"/>
+          <a:chExt cx="0" cy="0"/>
+        </a:xfrm>
+      </p:grpSpPr>
+      <p:sp>
+        <p:nvSpPr>
+          <p:cNvPr id="5" name="ZoneTexte 4">
+            <a:extLst>
+              <a:ext uri="{FF2B5EF4-FFF2-40B4-BE49-F238E27FC236}">
+                <a16:creationId xmlns:a16="http://schemas.microsoft.com/office/drawing/2014/main" id="{3E3E7AF7-791D-442A-9A1B-97CCD4D76B1D}"/>
+              </a:ext>
+            </a:extLst>
+          </p:cNvPr>
+          <p:cNvSpPr txBox="1"/>
+          <p:nvPr/>
+        </p:nvSpPr>
+        <p:spPr>
+          <a:xfrm>
+            <a:off x="177553" y="6284482"/>
+            <a:ext cx="4740676" cy="369332"/>
+          </a:xfrm>
+          <a:prstGeom prst="rect">
+            <a:avLst/>
+          </a:prstGeom>
+          <a:noFill/>
+        </p:spPr>
+        <p:txBody>
+          <a:bodyPr wrap="square" rtlCol="0">
+            <a:spAutoFit/>
+          </a:bodyPr>
+          <a:lstStyle/>
+          <a:p>
+            <a:r>
+              <a:rPr lang="fr-FR" dirty="0"/>
+              <a:t>UCBL LIFAP4 – Printemps 2022</a:t>
+            </a:r>
+          </a:p>
+        </p:txBody>
+      </p:sp>
+      <p:pic>
+        <p:nvPicPr>
+          <p:cNvPr id="7" name="Image 6">
+            <a:extLst>
+              <a:ext uri="{FF2B5EF4-FFF2-40B4-BE49-F238E27FC236}">
+                <a16:creationId xmlns:a16="http://schemas.microsoft.com/office/drawing/2014/main" id="{A9FE46FB-174F-48ED-8042-FA4BEFE725F4}"/>
+              </a:ext>
+            </a:extLst>
+          </p:cNvPr>
+          <p:cNvPicPr>
+            <a:picLocks noChangeAspect="1"/>
+          </p:cNvPicPr>
+          <p:nvPr/>
+        </p:nvPicPr>
+        <p:blipFill>
+          <a:blip r:embed="rId2">
+            <a:extLst>
+              <a:ext uri="{28A0092B-C50C-407E-A947-70E740481C1C}">
+                <a14:useLocalDpi xmlns:a14="http://schemas.microsoft.com/office/drawing/2010/main" val="0"/>
+              </a:ext>
+            </a:extLst>
+          </a:blip>
+          <a:stretch>
+            <a:fillRect/>
+          </a:stretch>
+        </p:blipFill>
+        <p:spPr>
+          <a:xfrm>
+            <a:off x="9081856" y="6030962"/>
+            <a:ext cx="2932591" cy="622852"/>
+          </a:xfrm>
+          <a:prstGeom prst="rect">
+            <a:avLst/>
+          </a:prstGeom>
+        </p:spPr>
+      </p:pic>
+      <p:sp>
+        <p:nvSpPr>
+          <p:cNvPr id="4" name="ZoneTexte 3">
+            <a:extLst>
+              <a:ext uri="{FF2B5EF4-FFF2-40B4-BE49-F238E27FC236}">
+                <a16:creationId xmlns:a16="http://schemas.microsoft.com/office/drawing/2014/main" id="{94887722-1A9D-463C-8F35-86C83965D2C2}"/>
+              </a:ext>
+            </a:extLst>
+          </p:cNvPr>
+          <p:cNvSpPr txBox="1"/>
+          <p:nvPr/>
+        </p:nvSpPr>
+        <p:spPr>
+          <a:xfrm>
+            <a:off x="506027" y="204186"/>
+            <a:ext cx="11114843" cy="461665"/>
+          </a:xfrm>
+          <a:prstGeom prst="rect">
+            <a:avLst/>
+          </a:prstGeom>
+          <a:noFill/>
+        </p:spPr>
+        <p:txBody>
+          <a:bodyPr wrap="square" rtlCol="0">
+            <a:spAutoFit/>
+          </a:bodyPr>
+          <a:lstStyle/>
+          <a:p>
+            <a:r>
+              <a:rPr lang="fr-FR" dirty="0"/>
+              <a:t>			</a:t>
+            </a:r>
+            <a:r>
+              <a:rPr lang="fr-FR" sz="2400" dirty="0"/>
+              <a:t>Déroulement du projet par rapport au diagramme de Gantt</a:t>
+            </a:r>
+            <a:endParaRPr lang="fr-FR" dirty="0"/>
+          </a:p>
+        </p:txBody>
+      </p:sp>
+      <p:sp>
+        <p:nvSpPr>
+          <p:cNvPr id="9" name="ZoneTexte 8">
+            <a:extLst>
+              <a:ext uri="{FF2B5EF4-FFF2-40B4-BE49-F238E27FC236}">
+                <a16:creationId xmlns:a16="http://schemas.microsoft.com/office/drawing/2014/main" id="{52A81D0F-F49D-4DCA-AC8A-BCBAC9298735}"/>
+              </a:ext>
+            </a:extLst>
+          </p:cNvPr>
+          <p:cNvSpPr txBox="1"/>
+          <p:nvPr/>
+        </p:nvSpPr>
+        <p:spPr>
+          <a:xfrm>
+            <a:off x="177553" y="4553634"/>
+            <a:ext cx="5388744" cy="1477328"/>
+          </a:xfrm>
+          <a:prstGeom prst="rect">
+            <a:avLst/>
+          </a:prstGeom>
+          <a:noFill/>
+        </p:spPr>
+        <p:txBody>
+          <a:bodyPr wrap="square" rtlCol="0">
+            <a:spAutoFit/>
+          </a:bodyPr>
+          <a:lstStyle/>
+          <a:p>
+            <a:r>
+              <a:rPr lang="fr-FR" u="sng" dirty="0"/>
+              <a:t>Légende</a:t>
+            </a:r>
+          </a:p>
+          <a:p>
+            <a:r>
+              <a:rPr lang="fr-FR" dirty="0">
+                <a:solidFill>
+                  <a:srgbClr val="7030A0"/>
+                </a:solidFill>
+              </a:rPr>
+              <a:t>Atteint à l’avance</a:t>
+            </a:r>
+          </a:p>
+          <a:p>
+            <a:r>
+              <a:rPr lang="fr-FR" dirty="0">
+                <a:solidFill>
+                  <a:schemeClr val="accent6"/>
+                </a:solidFill>
+              </a:rPr>
+              <a:t>Atteint à temps</a:t>
+            </a:r>
+          </a:p>
+          <a:p>
+            <a:r>
+              <a:rPr lang="fr-FR" dirty="0">
+                <a:solidFill>
+                  <a:srgbClr val="FFC000"/>
+                </a:solidFill>
+              </a:rPr>
+              <a:t>Atteint en retard</a:t>
+            </a:r>
+          </a:p>
+          <a:p>
+            <a:r>
+              <a:rPr lang="fr-FR" dirty="0">
+                <a:solidFill>
+                  <a:srgbClr val="FF0000"/>
+                </a:solidFill>
+              </a:rPr>
+              <a:t>Non-atteint et abandonnée</a:t>
+            </a:r>
+          </a:p>
+        </p:txBody>
+      </p:sp>
+      <p:sp>
+        <p:nvSpPr>
+          <p:cNvPr id="2" name="ZoneTexte 1">
+            <a:extLst>
+              <a:ext uri="{FF2B5EF4-FFF2-40B4-BE49-F238E27FC236}">
+                <a16:creationId xmlns:a16="http://schemas.microsoft.com/office/drawing/2014/main" id="{58EC5B5C-AF6E-4993-9334-BD997ECF10EB}"/>
+              </a:ext>
+            </a:extLst>
+          </p:cNvPr>
+          <p:cNvSpPr txBox="1"/>
+          <p:nvPr/>
+        </p:nvSpPr>
+        <p:spPr>
+          <a:xfrm>
+            <a:off x="408373" y="914400"/>
+            <a:ext cx="2405848" cy="369332"/>
+          </a:xfrm>
+          <a:prstGeom prst="rect">
+            <a:avLst/>
+          </a:prstGeom>
+          <a:noFill/>
+        </p:spPr>
+        <p:txBody>
+          <a:bodyPr wrap="square" rtlCol="0">
+            <a:spAutoFit/>
+          </a:bodyPr>
+          <a:lstStyle/>
+          <a:p>
+            <a:r>
+              <a:rPr lang="fr-FR" dirty="0"/>
+              <a:t>Ensemble des tâches :</a:t>
+            </a:r>
+          </a:p>
+        </p:txBody>
+      </p:sp>
+      <p:sp>
+        <p:nvSpPr>
+          <p:cNvPr id="3" name="ZoneTexte 2">
+            <a:extLst>
+              <a:ext uri="{FF2B5EF4-FFF2-40B4-BE49-F238E27FC236}">
+                <a16:creationId xmlns:a16="http://schemas.microsoft.com/office/drawing/2014/main" id="{D934F554-C085-4075-A1E6-0C23919562E1}"/>
+              </a:ext>
+            </a:extLst>
+          </p:cNvPr>
+          <p:cNvSpPr txBox="1"/>
+          <p:nvPr/>
+        </p:nvSpPr>
+        <p:spPr>
+          <a:xfrm>
+            <a:off x="177553" y="1283732"/>
+            <a:ext cx="11700769" cy="2373868"/>
+          </a:xfrm>
+          <a:prstGeom prst="rect">
+            <a:avLst/>
+          </a:prstGeom>
+          <a:noFill/>
+        </p:spPr>
+        <p:txBody>
+          <a:bodyPr wrap="square" rtlCol="0">
+            <a:spAutoFit/>
+          </a:bodyPr>
+          <a:lstStyle/>
+          <a:p>
+            <a:r>
+              <a:rPr lang="fr-FR" sz="1200" dirty="0">
+                <a:solidFill>
+                  <a:schemeClr val="accent6"/>
+                </a:solidFill>
+              </a:rPr>
+              <a:t>Tâche 0 : Rédiger le cahier des charges</a:t>
+            </a:r>
+          </a:p>
+          <a:p>
+            <a:r>
+              <a:rPr lang="fr-FR" sz="1200" dirty="0">
+                <a:solidFill>
+                  <a:schemeClr val="accent6"/>
+                </a:solidFill>
+              </a:rPr>
+              <a:t>Tâche 1:  Définir le diagramme des classes</a:t>
+            </a:r>
+          </a:p>
+          <a:p>
+            <a:r>
+              <a:rPr lang="fr-FR" sz="1200" dirty="0">
+                <a:solidFill>
+                  <a:srgbClr val="7030A0"/>
+                </a:solidFill>
+              </a:rPr>
+              <a:t>Tâche 2 : Implémentation d’un terrain en version texte, Déplacement du personnage, Apparition d’ennemi</a:t>
+            </a:r>
+            <a:r>
+              <a:rPr lang="fr-FR" sz="1200" dirty="0"/>
+              <a:t>, </a:t>
+            </a:r>
+            <a:r>
+              <a:rPr lang="fr-FR" sz="1200" dirty="0">
+                <a:solidFill>
+                  <a:srgbClr val="FFC000"/>
+                </a:solidFill>
+              </a:rPr>
+              <a:t>Déplacement des ennemis automatiquement</a:t>
+            </a:r>
+          </a:p>
+          <a:p>
+            <a:r>
+              <a:rPr lang="fr-FR" sz="1200" dirty="0">
+                <a:solidFill>
+                  <a:schemeClr val="accent6"/>
+                </a:solidFill>
+              </a:rPr>
+              <a:t>Tâche 3 : Implémentation d’un terrain, déplacement du personnage </a:t>
+            </a:r>
+            <a:r>
+              <a:rPr lang="fr-FR" sz="1200" dirty="0">
+                <a:solidFill>
+                  <a:srgbClr val="FFC000"/>
+                </a:solidFill>
+              </a:rPr>
+              <a:t>et des ennemis, etc…</a:t>
+            </a:r>
+          </a:p>
+          <a:p>
+            <a:r>
+              <a:rPr lang="fr-FR" sz="1200" dirty="0">
+                <a:solidFill>
+                  <a:srgbClr val="FF0000"/>
+                </a:solidFill>
+              </a:rPr>
+              <a:t>Tâche 4 : Conception de l'intelligence artificielle</a:t>
+            </a:r>
+          </a:p>
+          <a:p>
+            <a:r>
+              <a:rPr lang="fr-FR" sz="1200" dirty="0">
+                <a:solidFill>
+                  <a:srgbClr val="FF0000"/>
+                </a:solidFill>
+              </a:rPr>
+              <a:t>Tâche 5 : Implémentation de l’Intelligence Artificielle (ennemi qui charge vers le personnage principal) </a:t>
+            </a:r>
+          </a:p>
+          <a:p>
+            <a:r>
+              <a:rPr lang="fr-FR" sz="1200" dirty="0">
+                <a:solidFill>
+                  <a:srgbClr val="7030A0"/>
+                </a:solidFill>
+              </a:rPr>
+              <a:t>Tâche 6 : Test du jeu basique et fonctionnel en version texte</a:t>
+            </a:r>
+          </a:p>
+          <a:p>
+            <a:r>
+              <a:rPr lang="fr-FR" sz="1200" dirty="0">
+                <a:solidFill>
+                  <a:srgbClr val="7030A0"/>
+                </a:solidFill>
+              </a:rPr>
+              <a:t>Tâche 7 : Conception du jeu dans une interface graphique</a:t>
+            </a:r>
+          </a:p>
+          <a:p>
+            <a:r>
+              <a:rPr lang="fr-FR" sz="1200" dirty="0">
+                <a:solidFill>
+                  <a:srgbClr val="7030A0"/>
+                </a:solidFill>
+              </a:rPr>
+              <a:t>Tâche 8  : Implémentation du jeu dans une interface graphique</a:t>
+            </a:r>
+          </a:p>
+          <a:p>
+            <a:r>
+              <a:rPr lang="fr-FR" sz="1200" dirty="0">
+                <a:solidFill>
+                  <a:schemeClr val="accent6"/>
+                </a:solidFill>
+              </a:rPr>
+              <a:t>Tâche 9 : Test du jeu avec l’interface graphique (Toutes les fonctionnalités)</a:t>
+            </a:r>
+          </a:p>
+          <a:p>
+            <a:r>
+              <a:rPr lang="fr-FR" sz="1200" dirty="0">
+                <a:solidFill>
+                  <a:srgbClr val="FF0000"/>
+                </a:solidFill>
+              </a:rPr>
+              <a:t>Tâche 10 : Optimisation du jeu (</a:t>
+            </a:r>
+            <a:r>
+              <a:rPr lang="fr-FR" sz="1200" dirty="0" err="1">
+                <a:solidFill>
+                  <a:srgbClr val="FF0000"/>
+                </a:solidFill>
+              </a:rPr>
+              <a:t>Valgrind</a:t>
+            </a:r>
+            <a:r>
+              <a:rPr lang="fr-FR" sz="1200" dirty="0">
+                <a:solidFill>
+                  <a:srgbClr val="FF0000"/>
+                </a:solidFill>
+              </a:rPr>
+              <a:t>)</a:t>
+            </a:r>
+          </a:p>
+          <a:p>
+            <a:r>
+              <a:rPr lang="fr-FR" sz="1200" dirty="0">
+                <a:solidFill>
+                  <a:srgbClr val="FFC000"/>
+                </a:solidFill>
+              </a:rPr>
+              <a:t>Tâche 11 : Test du projet</a:t>
+            </a:r>
+          </a:p>
+        </p:txBody>
+      </p:sp>
+      <p:pic>
+        <p:nvPicPr>
+          <p:cNvPr id="10" name="Image 9">
+            <a:extLst>
+              <a:ext uri="{FF2B5EF4-FFF2-40B4-BE49-F238E27FC236}">
+                <a16:creationId xmlns:a16="http://schemas.microsoft.com/office/drawing/2014/main" id="{FB74D94B-F365-42FB-A412-01FFFB5C4455}"/>
+              </a:ext>
+            </a:extLst>
+          </p:cNvPr>
+          <p:cNvPicPr>
+            <a:picLocks noChangeAspect="1"/>
+          </p:cNvPicPr>
+          <p:nvPr/>
+        </p:nvPicPr>
+        <p:blipFill>
+          <a:blip r:embed="rId3"/>
+          <a:stretch>
+            <a:fillRect/>
+          </a:stretch>
+        </p:blipFill>
+        <p:spPr>
+          <a:xfrm>
+            <a:off x="6978438" y="2051081"/>
+            <a:ext cx="4092016" cy="3884061"/>
+          </a:xfrm>
+          <a:prstGeom prst="rect">
+            <a:avLst/>
+          </a:prstGeom>
+        </p:spPr>
+      </p:pic>
+    </p:spTree>
+    <p:extLst>
+      <p:ext uri="{BB962C8B-B14F-4D97-AF65-F5344CB8AC3E}">
+        <p14:creationId xmlns:p14="http://schemas.microsoft.com/office/powerpoint/2010/main" val="4003832052"/>
       </p:ext>
     </p:extLst>
   </p:cSld>

--- a/doc/Présentation-projet-ultimatelifkas.pptx
+++ b/doc/Présentation-projet-ultimatelifkas.pptx
@@ -5269,7 +5269,7 @@
         <p:spPr>
           <a:xfrm>
             <a:off x="177553" y="1828584"/>
-            <a:ext cx="2855003" cy="369332"/>
+            <a:ext cx="3160733" cy="369332"/>
           </a:xfrm>
           <a:prstGeom prst="rect">
             <a:avLst/>
@@ -5284,7 +5284,7 @@
           <a:p>
             <a:r>
               <a:rPr lang="fr-FR" dirty="0"/>
-              <a:t>0. type de donnée membres</a:t>
+              <a:t>0. Types de donnée membres</a:t>
             </a:r>
           </a:p>
         </p:txBody>
@@ -5414,7 +5414,7 @@
           <a:p>
             <a:r>
               <a:rPr lang="fr-FR" dirty="0"/>
-              <a:t>3. Gestion des action clavier pour déplacer le personnage . </a:t>
+              <a:t>3. Gestion des action claviers pour déplacer le personnage . </a:t>
             </a:r>
             <a:r>
               <a:rPr lang="fr-FR" dirty="0" err="1"/>
@@ -5694,7 +5694,7 @@
           <a:p>
             <a:r>
               <a:rPr lang="fr-FR" dirty="0"/>
-              <a:t>La classe Personnage permet d’initialiser un Personnage tout en lui donnant un ensemble d’attribut , elle contient des accesseurs et mutateurs pour toutes les données membres . </a:t>
+              <a:t>La classe Personnage permet d’initialiser un Personnage tout en lui donnant un ensemble d’attributs , elle contient des accesseurs et mutateurs pour toutes les données membres . </a:t>
             </a:r>
           </a:p>
         </p:txBody>
